--- a/_Working with Azure Resource Manager/_Working with Azure Resource Manager.pptx
+++ b/_Working with Azure Resource Manager/_Working with Azure Resource Manager.pptx
@@ -5079,8 +5079,8 @@
     <dgm:cxn modelId="{09932D16-7459-4FF0-8DE7-2952D27A1BAF}" srcId="{381EFFA4-FE40-450B-96B9-1DBB2553445B}" destId="{F83B34E6-2CF0-48A7-B592-3B4046E393CF}" srcOrd="0" destOrd="0" parTransId="{20E87788-CECA-48F7-A0A2-1EB18E5744A6}" sibTransId="{C75ABA35-6305-40B1-A089-3C8DC0C122E9}"/>
     <dgm:cxn modelId="{1C0DCDAB-21C3-45CD-BF14-E501D738D789}" type="presOf" srcId="{502FC8D5-5A2C-4A6B-9A7B-236760EE7A9B}" destId="{2F20CB85-46C3-40A7-B195-85F1B800D676}" srcOrd="0" destOrd="1" presId="urn:microsoft.com/office/officeart/2005/8/layout/hList1"/>
     <dgm:cxn modelId="{41783B07-E1DC-404F-A299-F90EB61717EC}" type="presOf" srcId="{F83B34E6-2CF0-48A7-B592-3B4046E393CF}" destId="{2431EA2F-7208-4952-987D-C2A42BF2136C}" srcOrd="0" destOrd="0" presId="urn:microsoft.com/office/officeart/2005/8/layout/hList1"/>
+    <dgm:cxn modelId="{5997F05D-29A8-413A-88C7-08D4E5C20984}" type="presOf" srcId="{489EA911-A6A8-4CE2-801E-2CA2EC051854}" destId="{FF0124D1-2A53-4B8B-B8CB-433F7F20285F}" srcOrd="0" destOrd="3" presId="urn:microsoft.com/office/officeart/2005/8/layout/hList1"/>
     <dgm:cxn modelId="{2A8A3E0F-0520-43F5-AF9C-1966ECE53E6D}" type="presOf" srcId="{730957B8-CA2B-492B-AD89-339DE32DC72E}" destId="{2F20CB85-46C3-40A7-B195-85F1B800D676}" srcOrd="0" destOrd="0" presId="urn:microsoft.com/office/officeart/2005/8/layout/hList1"/>
-    <dgm:cxn modelId="{5997F05D-29A8-413A-88C7-08D4E5C20984}" type="presOf" srcId="{489EA911-A6A8-4CE2-801E-2CA2EC051854}" destId="{FF0124D1-2A53-4B8B-B8CB-433F7F20285F}" srcOrd="0" destOrd="3" presId="urn:microsoft.com/office/officeart/2005/8/layout/hList1"/>
     <dgm:cxn modelId="{9A637A49-6ACF-4C1E-AB9C-6A06E3EEFB15}" type="presOf" srcId="{381EFFA4-FE40-450B-96B9-1DBB2553445B}" destId="{84C7CB39-31B5-4F5F-A053-9B8C5B3E15B2}" srcOrd="0" destOrd="0" presId="urn:microsoft.com/office/officeart/2005/8/layout/hList1"/>
     <dgm:cxn modelId="{A740C14A-CE27-4BDC-B707-584BE0CAD9F7}" srcId="{5D82481F-3914-42BE-B9B9-A31ACD1192FC}" destId="{502FC8D5-5A2C-4A6B-9A7B-236760EE7A9B}" srcOrd="1" destOrd="0" parTransId="{83D6952D-F39B-4A84-8F0F-70FAF4FC2E76}" sibTransId="{1EB272F0-6374-4742-9DF3-A71B5199F3CA}"/>
     <dgm:cxn modelId="{8B56650A-C834-4189-A60F-1BE94E5906D5}" srcId="{F83B34E6-2CF0-48A7-B592-3B4046E393CF}" destId="{C78B6FE6-ABA9-4430-BBDE-493FB7FC4E3E}" srcOrd="4" destOrd="0" parTransId="{3693ED49-E39F-453E-B0D5-4B8B3B18BF2F}" sibTransId="{7BA00D2B-7A85-4D79-9F57-4B3B1A1C3664}"/>
@@ -19042,7 +19042,7 @@
         <p:spPr>
           <a:xfrm rot="10800000" flipH="1" flipV="1">
             <a:off x="7120991" y="1825625"/>
-            <a:ext cx="4519073" cy="2308324"/>
+            <a:ext cx="4519073" cy="2862322"/>
           </a:xfrm>
           <a:prstGeom prst="rect">
             <a:avLst/>
@@ -19147,6 +19147,30 @@
                 <a:hlinkClick r:id="rId17"/>
               </a:rPr>
               <a:t>Talk</a:t>
+            </a:r>
+            <a:endParaRPr lang="en-US" dirty="0" smtClean="0"/>
+          </a:p>
+          <a:p>
+            <a:r>
+              <a:rPr lang="en-US" dirty="0" err="1" smtClean="0">
+                <a:hlinkClick r:id="rId18"/>
+              </a:rPr>
+              <a:t>Powershell</a:t>
+            </a:r>
+            <a:r>
+              <a:rPr lang="en-US" dirty="0" smtClean="0">
+                <a:hlinkClick r:id="rId18"/>
+              </a:rPr>
+              <a:t> Put Example</a:t>
+            </a:r>
+            <a:endParaRPr lang="en-US" dirty="0" smtClean="0"/>
+          </a:p>
+          <a:p>
+            <a:r>
+              <a:rPr lang="en-US" dirty="0" smtClean="0">
+                <a:hlinkClick r:id="rId19"/>
+              </a:rPr>
+              <a:t>Azure One Liners</a:t>
             </a:r>
             <a:endParaRPr lang="en-US" dirty="0" smtClean="0"/>
           </a:p>

--- a/_Working with Azure Resource Manager/_Working with Azure Resource Manager.pptx
+++ b/_Working with Azure Resource Manager/_Working with Azure Resource Manager.pptx
@@ -9,10 +9,13 @@
     <p:sldId id="257" r:id="rId3"/>
     <p:sldId id="258" r:id="rId4"/>
     <p:sldId id="262" r:id="rId5"/>
-    <p:sldId id="259" r:id="rId6"/>
-    <p:sldId id="261" r:id="rId7"/>
-    <p:sldId id="264" r:id="rId8"/>
-    <p:sldId id="260" r:id="rId9"/>
+    <p:sldId id="268" r:id="rId6"/>
+    <p:sldId id="259" r:id="rId7"/>
+    <p:sldId id="266" r:id="rId8"/>
+    <p:sldId id="267" r:id="rId9"/>
+    <p:sldId id="261" r:id="rId10"/>
+    <p:sldId id="264" r:id="rId11"/>
+    <p:sldId id="260" r:id="rId12"/>
   </p:sldIdLst>
   <p:sldSz cx="12192000" cy="6858000"/>
   <p:notesSz cx="6858000" cy="9144000"/>
@@ -3108,6 +3111,753 @@
 </file>
 
 <file path=ppt/diagrams/colors5.xml><?xml version="1.0" encoding="utf-8"?>
+<dgm:colorsDef xmlns:dgm="http://schemas.openxmlformats.org/drawingml/2006/diagram" xmlns:a="http://schemas.openxmlformats.org/drawingml/2006/main" uniqueId="urn:microsoft.com/office/officeart/2005/8/colors/accent1_2">
+  <dgm:title val=""/>
+  <dgm:desc val=""/>
+  <dgm:catLst>
+    <dgm:cat type="accent1" pri="11200"/>
+  </dgm:catLst>
+  <dgm:styleLbl name="node0">
+    <dgm:fillClrLst meth="repeat">
+      <a:schemeClr val="accent1"/>
+    </dgm:fillClrLst>
+    <dgm:linClrLst meth="repeat">
+      <a:schemeClr val="lt1"/>
+    </dgm:linClrLst>
+    <dgm:effectClrLst/>
+    <dgm:txLinClrLst/>
+    <dgm:txFillClrLst/>
+    <dgm:txEffectClrLst/>
+  </dgm:styleLbl>
+  <dgm:styleLbl name="alignNode1">
+    <dgm:fillClrLst meth="repeat">
+      <a:schemeClr val="accent1"/>
+    </dgm:fillClrLst>
+    <dgm:linClrLst meth="repeat">
+      <a:schemeClr val="accent1"/>
+    </dgm:linClrLst>
+    <dgm:effectClrLst/>
+    <dgm:txLinClrLst/>
+    <dgm:txFillClrLst/>
+    <dgm:txEffectClrLst/>
+  </dgm:styleLbl>
+  <dgm:styleLbl name="node1">
+    <dgm:fillClrLst meth="repeat">
+      <a:schemeClr val="accent1"/>
+    </dgm:fillClrLst>
+    <dgm:linClrLst meth="repeat">
+      <a:schemeClr val="lt1"/>
+    </dgm:linClrLst>
+    <dgm:effectClrLst/>
+    <dgm:txLinClrLst/>
+    <dgm:txFillClrLst/>
+    <dgm:txEffectClrLst/>
+  </dgm:styleLbl>
+  <dgm:styleLbl name="lnNode1">
+    <dgm:fillClrLst meth="repeat">
+      <a:schemeClr val="accent1"/>
+    </dgm:fillClrLst>
+    <dgm:linClrLst meth="repeat">
+      <a:schemeClr val="lt1"/>
+    </dgm:linClrLst>
+    <dgm:effectClrLst/>
+    <dgm:txLinClrLst/>
+    <dgm:txFillClrLst/>
+    <dgm:txEffectClrLst/>
+  </dgm:styleLbl>
+  <dgm:styleLbl name="vennNode1">
+    <dgm:fillClrLst meth="repeat">
+      <a:schemeClr val="accent1">
+        <a:alpha val="50000"/>
+      </a:schemeClr>
+    </dgm:fillClrLst>
+    <dgm:linClrLst meth="repeat">
+      <a:schemeClr val="lt1"/>
+    </dgm:linClrLst>
+    <dgm:effectClrLst/>
+    <dgm:txLinClrLst/>
+    <dgm:txFillClrLst/>
+    <dgm:txEffectClrLst/>
+  </dgm:styleLbl>
+  <dgm:styleLbl name="node2">
+    <dgm:fillClrLst meth="repeat">
+      <a:schemeClr val="accent1"/>
+    </dgm:fillClrLst>
+    <dgm:linClrLst meth="repeat">
+      <a:schemeClr val="lt1"/>
+    </dgm:linClrLst>
+    <dgm:effectClrLst/>
+    <dgm:txLinClrLst/>
+    <dgm:txFillClrLst/>
+    <dgm:txEffectClrLst/>
+  </dgm:styleLbl>
+  <dgm:styleLbl name="node3">
+    <dgm:fillClrLst meth="repeat">
+      <a:schemeClr val="accent1"/>
+    </dgm:fillClrLst>
+    <dgm:linClrLst meth="repeat">
+      <a:schemeClr val="lt1"/>
+    </dgm:linClrLst>
+    <dgm:effectClrLst/>
+    <dgm:txLinClrLst/>
+    <dgm:txFillClrLst/>
+    <dgm:txEffectClrLst/>
+  </dgm:styleLbl>
+  <dgm:styleLbl name="node4">
+    <dgm:fillClrLst meth="repeat">
+      <a:schemeClr val="accent1"/>
+    </dgm:fillClrLst>
+    <dgm:linClrLst meth="repeat">
+      <a:schemeClr val="lt1"/>
+    </dgm:linClrLst>
+    <dgm:effectClrLst/>
+    <dgm:txLinClrLst/>
+    <dgm:txFillClrLst/>
+    <dgm:txEffectClrLst/>
+  </dgm:styleLbl>
+  <dgm:styleLbl name="fgImgPlace1">
+    <dgm:fillClrLst meth="repeat">
+      <a:schemeClr val="accent1">
+        <a:tint val="50000"/>
+      </a:schemeClr>
+    </dgm:fillClrLst>
+    <dgm:linClrLst meth="repeat">
+      <a:schemeClr val="lt1"/>
+    </dgm:linClrLst>
+    <dgm:effectClrLst/>
+    <dgm:txLinClrLst/>
+    <dgm:txFillClrLst meth="repeat">
+      <a:schemeClr val="lt1"/>
+    </dgm:txFillClrLst>
+    <dgm:txEffectClrLst/>
+  </dgm:styleLbl>
+  <dgm:styleLbl name="alignImgPlace1">
+    <dgm:fillClrLst meth="repeat">
+      <a:schemeClr val="accent1">
+        <a:tint val="50000"/>
+      </a:schemeClr>
+    </dgm:fillClrLst>
+    <dgm:linClrLst meth="repeat">
+      <a:schemeClr val="lt1"/>
+    </dgm:linClrLst>
+    <dgm:effectClrLst/>
+    <dgm:txLinClrLst/>
+    <dgm:txFillClrLst meth="repeat">
+      <a:schemeClr val="lt1"/>
+    </dgm:txFillClrLst>
+    <dgm:txEffectClrLst/>
+  </dgm:styleLbl>
+  <dgm:styleLbl name="bgImgPlace1">
+    <dgm:fillClrLst meth="repeat">
+      <a:schemeClr val="accent1">
+        <a:tint val="50000"/>
+      </a:schemeClr>
+    </dgm:fillClrLst>
+    <dgm:linClrLst meth="repeat">
+      <a:schemeClr val="lt1"/>
+    </dgm:linClrLst>
+    <dgm:effectClrLst/>
+    <dgm:txLinClrLst/>
+    <dgm:txFillClrLst meth="repeat">
+      <a:schemeClr val="lt1"/>
+    </dgm:txFillClrLst>
+    <dgm:txEffectClrLst/>
+  </dgm:styleLbl>
+  <dgm:styleLbl name="sibTrans2D1">
+    <dgm:fillClrLst meth="repeat">
+      <a:schemeClr val="accent1">
+        <a:tint val="60000"/>
+      </a:schemeClr>
+    </dgm:fillClrLst>
+    <dgm:linClrLst meth="repeat">
+      <a:schemeClr val="accent1">
+        <a:tint val="60000"/>
+      </a:schemeClr>
+    </dgm:linClrLst>
+    <dgm:effectClrLst/>
+    <dgm:txLinClrLst/>
+    <dgm:txFillClrLst/>
+    <dgm:txEffectClrLst/>
+  </dgm:styleLbl>
+  <dgm:styleLbl name="fgSibTrans2D1">
+    <dgm:fillClrLst meth="repeat">
+      <a:schemeClr val="accent1">
+        <a:tint val="60000"/>
+      </a:schemeClr>
+    </dgm:fillClrLst>
+    <dgm:linClrLst meth="repeat">
+      <a:schemeClr val="accent1">
+        <a:tint val="60000"/>
+      </a:schemeClr>
+    </dgm:linClrLst>
+    <dgm:effectClrLst/>
+    <dgm:txLinClrLst/>
+    <dgm:txFillClrLst/>
+    <dgm:txEffectClrLst/>
+  </dgm:styleLbl>
+  <dgm:styleLbl name="bgSibTrans2D1">
+    <dgm:fillClrLst meth="repeat">
+      <a:schemeClr val="accent1">
+        <a:tint val="60000"/>
+      </a:schemeClr>
+    </dgm:fillClrLst>
+    <dgm:linClrLst meth="repeat">
+      <a:schemeClr val="accent1">
+        <a:tint val="60000"/>
+      </a:schemeClr>
+    </dgm:linClrLst>
+    <dgm:effectClrLst/>
+    <dgm:txLinClrLst/>
+    <dgm:txFillClrLst/>
+    <dgm:txEffectClrLst/>
+  </dgm:styleLbl>
+  <dgm:styleLbl name="sibTrans1D1">
+    <dgm:fillClrLst meth="repeat">
+      <a:schemeClr val="accent1"/>
+    </dgm:fillClrLst>
+    <dgm:linClrLst meth="repeat">
+      <a:schemeClr val="accent1"/>
+    </dgm:linClrLst>
+    <dgm:effectClrLst/>
+    <dgm:txLinClrLst/>
+    <dgm:txFillClrLst meth="repeat">
+      <a:schemeClr val="tx1"/>
+    </dgm:txFillClrLst>
+    <dgm:txEffectClrLst/>
+  </dgm:styleLbl>
+  <dgm:styleLbl name="callout">
+    <dgm:fillClrLst meth="repeat">
+      <a:schemeClr val="accent1"/>
+    </dgm:fillClrLst>
+    <dgm:linClrLst meth="repeat">
+      <a:schemeClr val="accent1">
+        <a:tint val="50000"/>
+      </a:schemeClr>
+    </dgm:linClrLst>
+    <dgm:effectClrLst/>
+    <dgm:txLinClrLst/>
+    <dgm:txFillClrLst meth="repeat">
+      <a:schemeClr val="tx1"/>
+    </dgm:txFillClrLst>
+    <dgm:txEffectClrLst/>
+  </dgm:styleLbl>
+  <dgm:styleLbl name="asst0">
+    <dgm:fillClrLst meth="repeat">
+      <a:schemeClr val="accent1"/>
+    </dgm:fillClrLst>
+    <dgm:linClrLst meth="repeat">
+      <a:schemeClr val="lt1"/>
+    </dgm:linClrLst>
+    <dgm:effectClrLst/>
+    <dgm:txLinClrLst/>
+    <dgm:txFillClrLst/>
+    <dgm:txEffectClrLst/>
+  </dgm:styleLbl>
+  <dgm:styleLbl name="asst1">
+    <dgm:fillClrLst meth="repeat">
+      <a:schemeClr val="accent1"/>
+    </dgm:fillClrLst>
+    <dgm:linClrLst meth="repeat">
+      <a:schemeClr val="lt1"/>
+    </dgm:linClrLst>
+    <dgm:effectClrLst/>
+    <dgm:txLinClrLst/>
+    <dgm:txFillClrLst/>
+    <dgm:txEffectClrLst/>
+  </dgm:styleLbl>
+  <dgm:styleLbl name="asst2">
+    <dgm:fillClrLst meth="repeat">
+      <a:schemeClr val="accent1"/>
+    </dgm:fillClrLst>
+    <dgm:linClrLst meth="repeat">
+      <a:schemeClr val="lt1"/>
+    </dgm:linClrLst>
+    <dgm:effectClrLst/>
+    <dgm:txLinClrLst/>
+    <dgm:txFillClrLst/>
+    <dgm:txEffectClrLst/>
+  </dgm:styleLbl>
+  <dgm:styleLbl name="asst3">
+    <dgm:fillClrLst meth="repeat">
+      <a:schemeClr val="accent1"/>
+    </dgm:fillClrLst>
+    <dgm:linClrLst meth="repeat">
+      <a:schemeClr val="lt1"/>
+    </dgm:linClrLst>
+    <dgm:effectClrLst/>
+    <dgm:txLinClrLst/>
+    <dgm:txFillClrLst/>
+    <dgm:txEffectClrLst/>
+  </dgm:styleLbl>
+  <dgm:styleLbl name="asst4">
+    <dgm:fillClrLst meth="repeat">
+      <a:schemeClr val="accent1"/>
+    </dgm:fillClrLst>
+    <dgm:linClrLst meth="repeat">
+      <a:schemeClr val="lt1"/>
+    </dgm:linClrLst>
+    <dgm:effectClrLst/>
+    <dgm:txLinClrLst/>
+    <dgm:txFillClrLst/>
+    <dgm:txEffectClrLst/>
+  </dgm:styleLbl>
+  <dgm:styleLbl name="parChTrans2D1">
+    <dgm:fillClrLst meth="repeat">
+      <a:schemeClr val="accent1">
+        <a:tint val="60000"/>
+      </a:schemeClr>
+    </dgm:fillClrLst>
+    <dgm:linClrLst meth="repeat">
+      <a:schemeClr val="accent1">
+        <a:tint val="60000"/>
+      </a:schemeClr>
+    </dgm:linClrLst>
+    <dgm:effectClrLst/>
+    <dgm:txLinClrLst/>
+    <dgm:txFillClrLst meth="repeat">
+      <a:schemeClr val="lt1"/>
+    </dgm:txFillClrLst>
+    <dgm:txEffectClrLst/>
+  </dgm:styleLbl>
+  <dgm:styleLbl name="parChTrans2D2">
+    <dgm:fillClrLst meth="repeat">
+      <a:schemeClr val="accent1"/>
+    </dgm:fillClrLst>
+    <dgm:linClrLst meth="repeat">
+      <a:schemeClr val="accent1"/>
+    </dgm:linClrLst>
+    <dgm:effectClrLst/>
+    <dgm:txLinClrLst/>
+    <dgm:txFillClrLst meth="repeat">
+      <a:schemeClr val="lt1"/>
+    </dgm:txFillClrLst>
+    <dgm:txEffectClrLst/>
+  </dgm:styleLbl>
+  <dgm:styleLbl name="parChTrans2D3">
+    <dgm:fillClrLst meth="repeat">
+      <a:schemeClr val="accent1"/>
+    </dgm:fillClrLst>
+    <dgm:linClrLst meth="repeat">
+      <a:schemeClr val="accent1"/>
+    </dgm:linClrLst>
+    <dgm:effectClrLst/>
+    <dgm:txLinClrLst/>
+    <dgm:txFillClrLst meth="repeat">
+      <a:schemeClr val="lt1"/>
+    </dgm:txFillClrLst>
+    <dgm:txEffectClrLst/>
+  </dgm:styleLbl>
+  <dgm:styleLbl name="parChTrans2D4">
+    <dgm:fillClrLst meth="repeat">
+      <a:schemeClr val="accent1"/>
+    </dgm:fillClrLst>
+    <dgm:linClrLst meth="repeat">
+      <a:schemeClr val="accent1"/>
+    </dgm:linClrLst>
+    <dgm:effectClrLst/>
+    <dgm:txLinClrLst/>
+    <dgm:txFillClrLst meth="repeat">
+      <a:schemeClr val="lt1"/>
+    </dgm:txFillClrLst>
+    <dgm:txEffectClrLst/>
+  </dgm:styleLbl>
+  <dgm:styleLbl name="parChTrans1D1">
+    <dgm:fillClrLst meth="repeat">
+      <a:schemeClr val="accent1"/>
+    </dgm:fillClrLst>
+    <dgm:linClrLst meth="repeat">
+      <a:schemeClr val="accent1">
+        <a:shade val="60000"/>
+      </a:schemeClr>
+    </dgm:linClrLst>
+    <dgm:effectClrLst/>
+    <dgm:txLinClrLst/>
+    <dgm:txFillClrLst meth="repeat">
+      <a:schemeClr val="tx1"/>
+    </dgm:txFillClrLst>
+    <dgm:txEffectClrLst/>
+  </dgm:styleLbl>
+  <dgm:styleLbl name="parChTrans1D2">
+    <dgm:fillClrLst meth="repeat">
+      <a:schemeClr val="accent1"/>
+    </dgm:fillClrLst>
+    <dgm:linClrLst meth="repeat">
+      <a:schemeClr val="accent1">
+        <a:shade val="60000"/>
+      </a:schemeClr>
+    </dgm:linClrLst>
+    <dgm:effectClrLst/>
+    <dgm:txLinClrLst/>
+    <dgm:txFillClrLst meth="repeat">
+      <a:schemeClr val="tx1"/>
+    </dgm:txFillClrLst>
+    <dgm:txEffectClrLst/>
+  </dgm:styleLbl>
+  <dgm:styleLbl name="parChTrans1D3">
+    <dgm:fillClrLst meth="repeat">
+      <a:schemeClr val="accent1"/>
+    </dgm:fillClrLst>
+    <dgm:linClrLst meth="repeat">
+      <a:schemeClr val="accent1">
+        <a:shade val="80000"/>
+      </a:schemeClr>
+    </dgm:linClrLst>
+    <dgm:effectClrLst/>
+    <dgm:txLinClrLst/>
+    <dgm:txFillClrLst meth="repeat">
+      <a:schemeClr val="tx1"/>
+    </dgm:txFillClrLst>
+    <dgm:txEffectClrLst/>
+  </dgm:styleLbl>
+  <dgm:styleLbl name="parChTrans1D4">
+    <dgm:fillClrLst meth="repeat">
+      <a:schemeClr val="accent1"/>
+    </dgm:fillClrLst>
+    <dgm:linClrLst meth="repeat">
+      <a:schemeClr val="accent1">
+        <a:shade val="80000"/>
+      </a:schemeClr>
+    </dgm:linClrLst>
+    <dgm:effectClrLst/>
+    <dgm:txLinClrLst/>
+    <dgm:txFillClrLst meth="repeat">
+      <a:schemeClr val="tx1"/>
+    </dgm:txFillClrLst>
+    <dgm:txEffectClrLst/>
+  </dgm:styleLbl>
+  <dgm:styleLbl name="fgAcc1">
+    <dgm:fillClrLst meth="repeat">
+      <a:schemeClr val="lt1">
+        <a:alpha val="90000"/>
+      </a:schemeClr>
+    </dgm:fillClrLst>
+    <dgm:linClrLst meth="repeat">
+      <a:schemeClr val="accent1"/>
+    </dgm:linClrLst>
+    <dgm:effectClrLst/>
+    <dgm:txLinClrLst/>
+    <dgm:txFillClrLst meth="repeat">
+      <a:schemeClr val="dk1"/>
+    </dgm:txFillClrLst>
+    <dgm:txEffectClrLst/>
+  </dgm:styleLbl>
+  <dgm:styleLbl name="conFgAcc1">
+    <dgm:fillClrLst meth="repeat">
+      <a:schemeClr val="lt1">
+        <a:alpha val="90000"/>
+      </a:schemeClr>
+    </dgm:fillClrLst>
+    <dgm:linClrLst meth="repeat">
+      <a:schemeClr val="accent1"/>
+    </dgm:linClrLst>
+    <dgm:effectClrLst/>
+    <dgm:txLinClrLst/>
+    <dgm:txFillClrLst meth="repeat">
+      <a:schemeClr val="dk1"/>
+    </dgm:txFillClrLst>
+    <dgm:txEffectClrLst/>
+  </dgm:styleLbl>
+  <dgm:styleLbl name="alignAcc1">
+    <dgm:fillClrLst meth="repeat">
+      <a:schemeClr val="lt1">
+        <a:alpha val="90000"/>
+      </a:schemeClr>
+    </dgm:fillClrLst>
+    <dgm:linClrLst meth="repeat">
+      <a:schemeClr val="accent1"/>
+    </dgm:linClrLst>
+    <dgm:effectClrLst/>
+    <dgm:txLinClrLst/>
+    <dgm:txFillClrLst meth="repeat">
+      <a:schemeClr val="dk1"/>
+    </dgm:txFillClrLst>
+    <dgm:txEffectClrLst/>
+  </dgm:styleLbl>
+  <dgm:styleLbl name="trAlignAcc1">
+    <dgm:fillClrLst meth="repeat">
+      <a:schemeClr val="lt1">
+        <a:alpha val="40000"/>
+      </a:schemeClr>
+    </dgm:fillClrLst>
+    <dgm:linClrLst meth="repeat">
+      <a:schemeClr val="accent1"/>
+    </dgm:linClrLst>
+    <dgm:effectClrLst/>
+    <dgm:txLinClrLst/>
+    <dgm:txFillClrLst meth="repeat">
+      <a:schemeClr val="dk1"/>
+    </dgm:txFillClrLst>
+    <dgm:txEffectClrLst/>
+  </dgm:styleLbl>
+  <dgm:styleLbl name="bgAcc1">
+    <dgm:fillClrLst meth="repeat">
+      <a:schemeClr val="lt1">
+        <a:alpha val="90000"/>
+      </a:schemeClr>
+    </dgm:fillClrLst>
+    <dgm:linClrLst meth="repeat">
+      <a:schemeClr val="accent1"/>
+    </dgm:linClrLst>
+    <dgm:effectClrLst/>
+    <dgm:txLinClrLst/>
+    <dgm:txFillClrLst meth="repeat">
+      <a:schemeClr val="dk1"/>
+    </dgm:txFillClrLst>
+    <dgm:txEffectClrLst/>
+  </dgm:styleLbl>
+  <dgm:styleLbl name="solidFgAcc1">
+    <dgm:fillClrLst meth="repeat">
+      <a:schemeClr val="lt1"/>
+    </dgm:fillClrLst>
+    <dgm:linClrLst meth="repeat">
+      <a:schemeClr val="accent1"/>
+    </dgm:linClrLst>
+    <dgm:effectClrLst/>
+    <dgm:txLinClrLst/>
+    <dgm:txFillClrLst meth="repeat">
+      <a:schemeClr val="dk1"/>
+    </dgm:txFillClrLst>
+    <dgm:txEffectClrLst/>
+  </dgm:styleLbl>
+  <dgm:styleLbl name="solidAlignAcc1">
+    <dgm:fillClrLst meth="repeat">
+      <a:schemeClr val="lt1"/>
+    </dgm:fillClrLst>
+    <dgm:linClrLst meth="repeat">
+      <a:schemeClr val="accent1"/>
+    </dgm:linClrLst>
+    <dgm:effectClrLst/>
+    <dgm:txLinClrLst/>
+    <dgm:txFillClrLst meth="repeat">
+      <a:schemeClr val="dk1"/>
+    </dgm:txFillClrLst>
+    <dgm:txEffectClrLst/>
+  </dgm:styleLbl>
+  <dgm:styleLbl name="solidBgAcc1">
+    <dgm:fillClrLst meth="repeat">
+      <a:schemeClr val="lt1"/>
+    </dgm:fillClrLst>
+    <dgm:linClrLst meth="repeat">
+      <a:schemeClr val="accent1"/>
+    </dgm:linClrLst>
+    <dgm:effectClrLst/>
+    <dgm:txLinClrLst/>
+    <dgm:txFillClrLst meth="repeat">
+      <a:schemeClr val="dk1"/>
+    </dgm:txFillClrLst>
+    <dgm:txEffectClrLst/>
+  </dgm:styleLbl>
+  <dgm:styleLbl name="fgAccFollowNode1">
+    <dgm:fillClrLst meth="repeat">
+      <a:schemeClr val="accent1">
+        <a:alpha val="90000"/>
+        <a:tint val="40000"/>
+      </a:schemeClr>
+    </dgm:fillClrLst>
+    <dgm:linClrLst meth="repeat">
+      <a:schemeClr val="accent1">
+        <a:alpha val="90000"/>
+        <a:tint val="40000"/>
+      </a:schemeClr>
+    </dgm:linClrLst>
+    <dgm:effectClrLst/>
+    <dgm:txLinClrLst/>
+    <dgm:txFillClrLst meth="repeat">
+      <a:schemeClr val="dk1"/>
+    </dgm:txFillClrLst>
+    <dgm:txEffectClrLst/>
+  </dgm:styleLbl>
+  <dgm:styleLbl name="alignAccFollowNode1">
+    <dgm:fillClrLst meth="repeat">
+      <a:schemeClr val="accent1">
+        <a:alpha val="90000"/>
+        <a:tint val="40000"/>
+      </a:schemeClr>
+    </dgm:fillClrLst>
+    <dgm:linClrLst meth="repeat">
+      <a:schemeClr val="accent1">
+        <a:alpha val="90000"/>
+        <a:tint val="40000"/>
+      </a:schemeClr>
+    </dgm:linClrLst>
+    <dgm:effectClrLst/>
+    <dgm:txLinClrLst/>
+    <dgm:txFillClrLst meth="repeat">
+      <a:schemeClr val="dk1"/>
+    </dgm:txFillClrLst>
+    <dgm:txEffectClrLst/>
+  </dgm:styleLbl>
+  <dgm:styleLbl name="bgAccFollowNode1">
+    <dgm:fillClrLst meth="repeat">
+      <a:schemeClr val="accent1">
+        <a:alpha val="90000"/>
+        <a:tint val="40000"/>
+      </a:schemeClr>
+    </dgm:fillClrLst>
+    <dgm:linClrLst meth="repeat">
+      <a:schemeClr val="accent1">
+        <a:alpha val="90000"/>
+        <a:tint val="40000"/>
+      </a:schemeClr>
+    </dgm:linClrLst>
+    <dgm:effectClrLst/>
+    <dgm:txLinClrLst/>
+    <dgm:txFillClrLst meth="repeat">
+      <a:schemeClr val="dk1"/>
+    </dgm:txFillClrLst>
+    <dgm:txEffectClrLst/>
+  </dgm:styleLbl>
+  <dgm:styleLbl name="fgAcc0">
+    <dgm:fillClrLst meth="repeat">
+      <a:schemeClr val="lt1">
+        <a:alpha val="90000"/>
+      </a:schemeClr>
+    </dgm:fillClrLst>
+    <dgm:linClrLst meth="repeat">
+      <a:schemeClr val="accent1"/>
+    </dgm:linClrLst>
+    <dgm:effectClrLst/>
+    <dgm:txLinClrLst/>
+    <dgm:txFillClrLst meth="repeat">
+      <a:schemeClr val="dk1"/>
+    </dgm:txFillClrLst>
+    <dgm:txEffectClrLst/>
+  </dgm:styleLbl>
+  <dgm:styleLbl name="fgAcc2">
+    <dgm:fillClrLst meth="repeat">
+      <a:schemeClr val="lt1">
+        <a:alpha val="90000"/>
+      </a:schemeClr>
+    </dgm:fillClrLst>
+    <dgm:linClrLst meth="repeat">
+      <a:schemeClr val="accent1"/>
+    </dgm:linClrLst>
+    <dgm:effectClrLst/>
+    <dgm:txLinClrLst/>
+    <dgm:txFillClrLst meth="repeat">
+      <a:schemeClr val="dk1"/>
+    </dgm:txFillClrLst>
+    <dgm:txEffectClrLst/>
+  </dgm:styleLbl>
+  <dgm:styleLbl name="fgAcc3">
+    <dgm:fillClrLst meth="repeat">
+      <a:schemeClr val="lt1">
+        <a:alpha val="90000"/>
+      </a:schemeClr>
+    </dgm:fillClrLst>
+    <dgm:linClrLst meth="repeat">
+      <a:schemeClr val="accent1"/>
+    </dgm:linClrLst>
+    <dgm:effectClrLst/>
+    <dgm:txLinClrLst/>
+    <dgm:txFillClrLst meth="repeat">
+      <a:schemeClr val="dk1"/>
+    </dgm:txFillClrLst>
+    <dgm:txEffectClrLst/>
+  </dgm:styleLbl>
+  <dgm:styleLbl name="fgAcc4">
+    <dgm:fillClrLst meth="repeat">
+      <a:schemeClr val="lt1">
+        <a:alpha val="90000"/>
+      </a:schemeClr>
+    </dgm:fillClrLst>
+    <dgm:linClrLst meth="repeat">
+      <a:schemeClr val="accent1"/>
+    </dgm:linClrLst>
+    <dgm:effectClrLst/>
+    <dgm:txLinClrLst/>
+    <dgm:txFillClrLst meth="repeat">
+      <a:schemeClr val="dk1"/>
+    </dgm:txFillClrLst>
+    <dgm:txEffectClrLst/>
+  </dgm:styleLbl>
+  <dgm:styleLbl name="bgShp">
+    <dgm:fillClrLst meth="repeat">
+      <a:schemeClr val="accent1">
+        <a:tint val="40000"/>
+      </a:schemeClr>
+    </dgm:fillClrLst>
+    <dgm:linClrLst meth="repeat">
+      <a:schemeClr val="accent1"/>
+    </dgm:linClrLst>
+    <dgm:effectClrLst/>
+    <dgm:txLinClrLst/>
+    <dgm:txFillClrLst meth="repeat">
+      <a:schemeClr val="dk1"/>
+    </dgm:txFillClrLst>
+    <dgm:txEffectClrLst/>
+  </dgm:styleLbl>
+  <dgm:styleLbl name="dkBgShp">
+    <dgm:fillClrLst meth="repeat">
+      <a:schemeClr val="accent1">
+        <a:shade val="80000"/>
+      </a:schemeClr>
+    </dgm:fillClrLst>
+    <dgm:linClrLst meth="repeat">
+      <a:schemeClr val="accent1"/>
+    </dgm:linClrLst>
+    <dgm:effectClrLst/>
+    <dgm:txLinClrLst/>
+    <dgm:txFillClrLst meth="repeat">
+      <a:schemeClr val="lt1"/>
+    </dgm:txFillClrLst>
+    <dgm:txEffectClrLst/>
+  </dgm:styleLbl>
+  <dgm:styleLbl name="trBgShp">
+    <dgm:fillClrLst meth="repeat">
+      <a:schemeClr val="accent1">
+        <a:tint val="50000"/>
+        <a:alpha val="40000"/>
+      </a:schemeClr>
+    </dgm:fillClrLst>
+    <dgm:linClrLst meth="repeat">
+      <a:schemeClr val="accent1"/>
+    </dgm:linClrLst>
+    <dgm:effectClrLst/>
+    <dgm:txLinClrLst/>
+    <dgm:txFillClrLst meth="repeat">
+      <a:schemeClr val="lt1"/>
+    </dgm:txFillClrLst>
+    <dgm:txEffectClrLst/>
+  </dgm:styleLbl>
+  <dgm:styleLbl name="fgShp">
+    <dgm:fillClrLst meth="repeat">
+      <a:schemeClr val="accent1">
+        <a:tint val="60000"/>
+      </a:schemeClr>
+    </dgm:fillClrLst>
+    <dgm:linClrLst meth="repeat">
+      <a:schemeClr val="lt1"/>
+    </dgm:linClrLst>
+    <dgm:effectClrLst/>
+    <dgm:txLinClrLst/>
+    <dgm:txFillClrLst meth="repeat">
+      <a:schemeClr val="dk1"/>
+    </dgm:txFillClrLst>
+    <dgm:txEffectClrLst/>
+  </dgm:styleLbl>
+  <dgm:styleLbl name="revTx">
+    <dgm:fillClrLst meth="repeat">
+      <a:schemeClr val="lt1">
+        <a:alpha val="0"/>
+      </a:schemeClr>
+    </dgm:fillClrLst>
+    <dgm:linClrLst meth="repeat">
+      <a:schemeClr val="dk1">
+        <a:alpha val="0"/>
+      </a:schemeClr>
+    </dgm:linClrLst>
+    <dgm:effectClrLst/>
+    <dgm:txLinClrLst/>
+    <dgm:txFillClrLst meth="repeat">
+      <a:schemeClr val="tx1"/>
+    </dgm:txFillClrLst>
+    <dgm:txEffectClrLst/>
+  </dgm:styleLbl>
+</dgm:colorsDef>
+</file>
+
+<file path=ppt/diagrams/colors6.xml><?xml version="1.0" encoding="utf-8"?>
 <dgm:colorsDef xmlns:dgm="http://schemas.openxmlformats.org/drawingml/2006/diagram" xmlns:a="http://schemas.openxmlformats.org/drawingml/2006/main" uniqueId="urn:microsoft.com/office/officeart/2005/8/colors/accent1_2">
   <dgm:title val=""/>
   <dgm:desc val=""/>
@@ -4738,11 +5488,15 @@
         <a:p>
           <a:r>
             <a:rPr lang="en-US" dirty="0" smtClean="0"/>
-            <a:t>Azure Python </a:t>
+            <a:t>Azure </a:t>
           </a:r>
           <a:r>
             <a:rPr lang="en-US" dirty="0" err="1" smtClean="0"/>
             <a:t>Cli</a:t>
+          </a:r>
+          <a:r>
+            <a:rPr lang="en-US" dirty="0" smtClean="0"/>
+            <a:t> 2.0</a:t>
           </a:r>
           <a:endParaRPr lang="en-US" dirty="0"/>
         </a:p>
@@ -4844,43 +5598,6 @@
         </a:p>
       </dgm:t>
     </dgm:pt>
-    <dgm:pt modelId="{55CFDD2C-5777-44EE-9D95-1BCB97743F50}">
-      <dgm:prSet phldrT="[Text]"/>
-      <dgm:spPr/>
-      <dgm:t>
-        <a:bodyPr/>
-        <a:lstStyle/>
-        <a:p>
-          <a:r>
-            <a:rPr lang="en-US" dirty="0" smtClean="0"/>
-            <a:t>Templates</a:t>
-          </a:r>
-          <a:endParaRPr lang="en-US" dirty="0"/>
-        </a:p>
-      </dgm:t>
-    </dgm:pt>
-    <dgm:pt modelId="{7614AA06-83DD-4A60-8A5B-D486DE9B3EE1}" type="parTrans" cxnId="{A02A1DD6-E654-4F8D-85D7-74E70F913C26}">
-      <dgm:prSet/>
-      <dgm:spPr/>
-      <dgm:t>
-        <a:bodyPr/>
-        <a:lstStyle/>
-        <a:p>
-          <a:endParaRPr lang="en-US"/>
-        </a:p>
-      </dgm:t>
-    </dgm:pt>
-    <dgm:pt modelId="{FE92E73A-6B40-44C7-AF6C-3523D60E4E91}" type="sibTrans" cxnId="{A02A1DD6-E654-4F8D-85D7-74E70F913C26}">
-      <dgm:prSet/>
-      <dgm:spPr/>
-      <dgm:t>
-        <a:bodyPr/>
-        <a:lstStyle/>
-        <a:p>
-          <a:endParaRPr lang="en-US"/>
-        </a:p>
-      </dgm:t>
-    </dgm:pt>
     <dgm:pt modelId="{D5470E12-4E97-40CF-BD40-28CF8A448A63}">
       <dgm:prSet phldrT="[Text]"/>
       <dgm:spPr/>
@@ -4957,6 +5674,43 @@
       </dgm:t>
     </dgm:pt>
     <dgm:pt modelId="{8C0B532C-032B-429F-ABB8-F5CAAA347846}" type="sibTrans" cxnId="{AD581198-C390-46E0-8DCB-D33073F17D52}">
+      <dgm:prSet/>
+      <dgm:spPr/>
+      <dgm:t>
+        <a:bodyPr/>
+        <a:lstStyle/>
+        <a:p>
+          <a:endParaRPr lang="en-US"/>
+        </a:p>
+      </dgm:t>
+    </dgm:pt>
+    <dgm:pt modelId="{55CFDD2C-5777-44EE-9D95-1BCB97743F50}">
+      <dgm:prSet phldrT="[Text]"/>
+      <dgm:spPr/>
+      <dgm:t>
+        <a:bodyPr/>
+        <a:lstStyle/>
+        <a:p>
+          <a:r>
+            <a:rPr lang="en-US" dirty="0" smtClean="0"/>
+            <a:t>Templates</a:t>
+          </a:r>
+          <a:endParaRPr lang="en-US" dirty="0"/>
+        </a:p>
+      </dgm:t>
+    </dgm:pt>
+    <dgm:pt modelId="{FE92E73A-6B40-44C7-AF6C-3523D60E4E91}" type="sibTrans" cxnId="{A02A1DD6-E654-4F8D-85D7-74E70F913C26}">
+      <dgm:prSet/>
+      <dgm:spPr/>
+      <dgm:t>
+        <a:bodyPr/>
+        <a:lstStyle/>
+        <a:p>
+          <a:endParaRPr lang="en-US"/>
+        </a:p>
+      </dgm:t>
+    </dgm:pt>
+    <dgm:pt modelId="{7614AA06-83DD-4A60-8A5B-D486DE9B3EE1}" type="parTrans" cxnId="{A02A1DD6-E654-4F8D-85D7-74E70F913C26}">
       <dgm:prSet/>
       <dgm:spPr/>
       <dgm:t>
@@ -5079,8 +5833,8 @@
     <dgm:cxn modelId="{09932D16-7459-4FF0-8DE7-2952D27A1BAF}" srcId="{381EFFA4-FE40-450B-96B9-1DBB2553445B}" destId="{F83B34E6-2CF0-48A7-B592-3B4046E393CF}" srcOrd="0" destOrd="0" parTransId="{20E87788-CECA-48F7-A0A2-1EB18E5744A6}" sibTransId="{C75ABA35-6305-40B1-A089-3C8DC0C122E9}"/>
     <dgm:cxn modelId="{1C0DCDAB-21C3-45CD-BF14-E501D738D789}" type="presOf" srcId="{502FC8D5-5A2C-4A6B-9A7B-236760EE7A9B}" destId="{2F20CB85-46C3-40A7-B195-85F1B800D676}" srcOrd="0" destOrd="1" presId="urn:microsoft.com/office/officeart/2005/8/layout/hList1"/>
     <dgm:cxn modelId="{41783B07-E1DC-404F-A299-F90EB61717EC}" type="presOf" srcId="{F83B34E6-2CF0-48A7-B592-3B4046E393CF}" destId="{2431EA2F-7208-4952-987D-C2A42BF2136C}" srcOrd="0" destOrd="0" presId="urn:microsoft.com/office/officeart/2005/8/layout/hList1"/>
+    <dgm:cxn modelId="{2A8A3E0F-0520-43F5-AF9C-1966ECE53E6D}" type="presOf" srcId="{730957B8-CA2B-492B-AD89-339DE32DC72E}" destId="{2F20CB85-46C3-40A7-B195-85F1B800D676}" srcOrd="0" destOrd="0" presId="urn:microsoft.com/office/officeart/2005/8/layout/hList1"/>
     <dgm:cxn modelId="{5997F05D-29A8-413A-88C7-08D4E5C20984}" type="presOf" srcId="{489EA911-A6A8-4CE2-801E-2CA2EC051854}" destId="{FF0124D1-2A53-4B8B-B8CB-433F7F20285F}" srcOrd="0" destOrd="3" presId="urn:microsoft.com/office/officeart/2005/8/layout/hList1"/>
-    <dgm:cxn modelId="{2A8A3E0F-0520-43F5-AF9C-1966ECE53E6D}" type="presOf" srcId="{730957B8-CA2B-492B-AD89-339DE32DC72E}" destId="{2F20CB85-46C3-40A7-B195-85F1B800D676}" srcOrd="0" destOrd="0" presId="urn:microsoft.com/office/officeart/2005/8/layout/hList1"/>
     <dgm:cxn modelId="{9A637A49-6ACF-4C1E-AB9C-6A06E3EEFB15}" type="presOf" srcId="{381EFFA4-FE40-450B-96B9-1DBB2553445B}" destId="{84C7CB39-31B5-4F5F-A053-9B8C5B3E15B2}" srcOrd="0" destOrd="0" presId="urn:microsoft.com/office/officeart/2005/8/layout/hList1"/>
     <dgm:cxn modelId="{A740C14A-CE27-4BDC-B707-584BE0CAD9F7}" srcId="{5D82481F-3914-42BE-B9B9-A31ACD1192FC}" destId="{502FC8D5-5A2C-4A6B-9A7B-236760EE7A9B}" srcOrd="1" destOrd="0" parTransId="{83D6952D-F39B-4A84-8F0F-70FAF4FC2E76}" sibTransId="{1EB272F0-6374-4742-9DF3-A71B5199F3CA}"/>
     <dgm:cxn modelId="{8B56650A-C834-4189-A60F-1BE94E5906D5}" srcId="{F83B34E6-2CF0-48A7-B592-3B4046E393CF}" destId="{C78B6FE6-ABA9-4430-BBDE-493FB7FC4E3E}" srcOrd="4" destOrd="0" parTransId="{3693ED49-E39F-453E-B0D5-4B8B3B18BF2F}" sibTransId="{7BA00D2B-7A85-4D79-9F57-4B3B1A1C3664}"/>
@@ -5108,6 +5862,195 @@
 </file>
 
 <file path=ppt/diagrams/data5.xml><?xml version="1.0" encoding="utf-8"?>
+<dgm:dataModel xmlns:dgm="http://schemas.openxmlformats.org/drawingml/2006/diagram" xmlns:a="http://schemas.openxmlformats.org/drawingml/2006/main">
+  <dgm:ptLst>
+    <dgm:pt modelId="{C05B0CB3-0297-4812-A9DC-1CA1D1D2EDDA}" type="doc">
+      <dgm:prSet loTypeId="urn:microsoft.com/office/officeart/2005/8/layout/default" loCatId="list" qsTypeId="urn:microsoft.com/office/officeart/2005/8/quickstyle/simple1" qsCatId="simple" csTypeId="urn:microsoft.com/office/officeart/2005/8/colors/accent1_2" csCatId="accent1" phldr="1"/>
+      <dgm:spPr/>
+      <dgm:t>
+        <a:bodyPr/>
+        <a:lstStyle/>
+        <a:p>
+          <a:endParaRPr lang="en-US"/>
+        </a:p>
+      </dgm:t>
+    </dgm:pt>
+    <dgm:pt modelId="{4F42286A-CCBD-45AC-81E2-BB3FB8E52D4F}">
+      <dgm:prSet phldrT="[Text]"/>
+      <dgm:spPr>
+        <a:solidFill>
+          <a:schemeClr val="tx2">
+            <a:lumMod val="75000"/>
+            <a:lumOff val="25000"/>
+          </a:schemeClr>
+        </a:solidFill>
+      </dgm:spPr>
+      <dgm:t>
+        <a:bodyPr/>
+        <a:lstStyle/>
+        <a:p>
+          <a:r>
+            <a:rPr lang="en-US" dirty="0" smtClean="0"/>
+            <a:t>Fiddler</a:t>
+          </a:r>
+          <a:endParaRPr lang="en-US" dirty="0"/>
+        </a:p>
+      </dgm:t>
+    </dgm:pt>
+    <dgm:pt modelId="{B18BE144-7EB2-4465-9F05-CACF3EECB716}" type="parTrans" cxnId="{B4B3CD10-C203-45E9-A900-E4C2D4056326}">
+      <dgm:prSet/>
+      <dgm:spPr/>
+      <dgm:t>
+        <a:bodyPr/>
+        <a:lstStyle/>
+        <a:p>
+          <a:endParaRPr lang="en-US"/>
+        </a:p>
+      </dgm:t>
+    </dgm:pt>
+    <dgm:pt modelId="{C1DA18EC-6555-4BC4-944B-30B0CA6D25FD}" type="sibTrans" cxnId="{B4B3CD10-C203-45E9-A900-E4C2D4056326}">
+      <dgm:prSet/>
+      <dgm:spPr/>
+      <dgm:t>
+        <a:bodyPr/>
+        <a:lstStyle/>
+        <a:p>
+          <a:endParaRPr lang="en-US"/>
+        </a:p>
+      </dgm:t>
+    </dgm:pt>
+    <dgm:pt modelId="{B7D75FA2-D9B1-4931-8079-ADB6E5980443}">
+      <dgm:prSet phldrT="[Text]"/>
+      <dgm:spPr>
+        <a:solidFill>
+          <a:schemeClr val="tx2">
+            <a:lumMod val="75000"/>
+            <a:lumOff val="25000"/>
+          </a:schemeClr>
+        </a:solidFill>
+      </dgm:spPr>
+      <dgm:t>
+        <a:bodyPr/>
+        <a:lstStyle/>
+        <a:p>
+          <a:r>
+            <a:rPr lang="en-US" dirty="0" smtClean="0"/>
+            <a:t>Rest API clients (postman, insomnia, </a:t>
+          </a:r>
+          <a:r>
+            <a:rPr lang="en-US" dirty="0" err="1" smtClean="0"/>
+            <a:t>armclient</a:t>
+          </a:r>
+          <a:r>
+            <a:rPr lang="en-US" dirty="0" smtClean="0"/>
+            <a:t>, </a:t>
+          </a:r>
+          <a:r>
+            <a:rPr lang="en-US" dirty="0" err="1" smtClean="0"/>
+            <a:t>etc</a:t>
+          </a:r>
+          <a:r>
+            <a:rPr lang="en-US" dirty="0" smtClean="0"/>
+            <a:t>)</a:t>
+          </a:r>
+          <a:endParaRPr lang="en-US" dirty="0"/>
+        </a:p>
+      </dgm:t>
+    </dgm:pt>
+    <dgm:pt modelId="{9863CE90-CDF8-49EE-9D5E-B95B74A408EF}" type="parTrans" cxnId="{8171F8D0-62B9-439F-AB33-FDCBAB1B8D51}">
+      <dgm:prSet/>
+      <dgm:spPr/>
+      <dgm:t>
+        <a:bodyPr/>
+        <a:lstStyle/>
+        <a:p>
+          <a:endParaRPr lang="en-US"/>
+        </a:p>
+      </dgm:t>
+    </dgm:pt>
+    <dgm:pt modelId="{12DD84ED-A954-4BC0-9720-8C226256F648}" type="sibTrans" cxnId="{8171F8D0-62B9-439F-AB33-FDCBAB1B8D51}">
+      <dgm:prSet/>
+      <dgm:spPr/>
+      <dgm:t>
+        <a:bodyPr/>
+        <a:lstStyle/>
+        <a:p>
+          <a:endParaRPr lang="en-US"/>
+        </a:p>
+      </dgm:t>
+    </dgm:pt>
+    <dgm:pt modelId="{D19009C1-677E-44D2-A07F-731ECF0F898E}" type="pres">
+      <dgm:prSet presAssocID="{C05B0CB3-0297-4812-A9DC-1CA1D1D2EDDA}" presName="diagram" presStyleCnt="0">
+        <dgm:presLayoutVars>
+          <dgm:dir/>
+          <dgm:resizeHandles val="exact"/>
+        </dgm:presLayoutVars>
+      </dgm:prSet>
+      <dgm:spPr/>
+      <dgm:t>
+        <a:bodyPr/>
+        <a:lstStyle/>
+        <a:p>
+          <a:endParaRPr lang="en-US"/>
+        </a:p>
+      </dgm:t>
+    </dgm:pt>
+    <dgm:pt modelId="{3830D593-5770-4B7A-9570-319B372F5240}" type="pres">
+      <dgm:prSet presAssocID="{4F42286A-CCBD-45AC-81E2-BB3FB8E52D4F}" presName="node" presStyleLbl="node1" presStyleIdx="0" presStyleCnt="2">
+        <dgm:presLayoutVars>
+          <dgm:bulletEnabled val="1"/>
+        </dgm:presLayoutVars>
+      </dgm:prSet>
+      <dgm:spPr/>
+      <dgm:t>
+        <a:bodyPr/>
+        <a:lstStyle/>
+        <a:p>
+          <a:endParaRPr lang="en-US"/>
+        </a:p>
+      </dgm:t>
+    </dgm:pt>
+    <dgm:pt modelId="{40F73188-66DC-470F-983C-288FA2AA7832}" type="pres">
+      <dgm:prSet presAssocID="{C1DA18EC-6555-4BC4-944B-30B0CA6D25FD}" presName="sibTrans" presStyleCnt="0"/>
+      <dgm:spPr/>
+    </dgm:pt>
+    <dgm:pt modelId="{D00D7559-E4D1-464D-AF94-11EA90CDF18D}" type="pres">
+      <dgm:prSet presAssocID="{B7D75FA2-D9B1-4931-8079-ADB6E5980443}" presName="node" presStyleLbl="node1" presStyleIdx="1" presStyleCnt="2">
+        <dgm:presLayoutVars>
+          <dgm:bulletEnabled val="1"/>
+        </dgm:presLayoutVars>
+      </dgm:prSet>
+      <dgm:spPr/>
+      <dgm:t>
+        <a:bodyPr/>
+        <a:lstStyle/>
+        <a:p>
+          <a:endParaRPr lang="en-US"/>
+        </a:p>
+      </dgm:t>
+    </dgm:pt>
+  </dgm:ptLst>
+  <dgm:cxnLst>
+    <dgm:cxn modelId="{FAD6E208-C1A6-4A97-84FD-967805B9F8F1}" type="presOf" srcId="{C05B0CB3-0297-4812-A9DC-1CA1D1D2EDDA}" destId="{D19009C1-677E-44D2-A07F-731ECF0F898E}" srcOrd="0" destOrd="0" presId="urn:microsoft.com/office/officeart/2005/8/layout/default"/>
+    <dgm:cxn modelId="{D80CEAD6-7569-4636-B794-89E34F50B289}" type="presOf" srcId="{B7D75FA2-D9B1-4931-8079-ADB6E5980443}" destId="{D00D7559-E4D1-464D-AF94-11EA90CDF18D}" srcOrd="0" destOrd="0" presId="urn:microsoft.com/office/officeart/2005/8/layout/default"/>
+    <dgm:cxn modelId="{292A10C7-5892-4FE1-A2E9-0B0E970D5D29}" type="presOf" srcId="{4F42286A-CCBD-45AC-81E2-BB3FB8E52D4F}" destId="{3830D593-5770-4B7A-9570-319B372F5240}" srcOrd="0" destOrd="0" presId="urn:microsoft.com/office/officeart/2005/8/layout/default"/>
+    <dgm:cxn modelId="{B4B3CD10-C203-45E9-A900-E4C2D4056326}" srcId="{C05B0CB3-0297-4812-A9DC-1CA1D1D2EDDA}" destId="{4F42286A-CCBD-45AC-81E2-BB3FB8E52D4F}" srcOrd="0" destOrd="0" parTransId="{B18BE144-7EB2-4465-9F05-CACF3EECB716}" sibTransId="{C1DA18EC-6555-4BC4-944B-30B0CA6D25FD}"/>
+    <dgm:cxn modelId="{8171F8D0-62B9-439F-AB33-FDCBAB1B8D51}" srcId="{C05B0CB3-0297-4812-A9DC-1CA1D1D2EDDA}" destId="{B7D75FA2-D9B1-4931-8079-ADB6E5980443}" srcOrd="1" destOrd="0" parTransId="{9863CE90-CDF8-49EE-9D5E-B95B74A408EF}" sibTransId="{12DD84ED-A954-4BC0-9720-8C226256F648}"/>
+    <dgm:cxn modelId="{D91D52D4-98F8-4021-928E-C5E43B0C0B1C}" type="presParOf" srcId="{D19009C1-677E-44D2-A07F-731ECF0F898E}" destId="{3830D593-5770-4B7A-9570-319B372F5240}" srcOrd="0" destOrd="0" presId="urn:microsoft.com/office/officeart/2005/8/layout/default"/>
+    <dgm:cxn modelId="{ADE4C970-1DE3-4C65-988C-9135D1844D0F}" type="presParOf" srcId="{D19009C1-677E-44D2-A07F-731ECF0F898E}" destId="{40F73188-66DC-470F-983C-288FA2AA7832}" srcOrd="1" destOrd="0" presId="urn:microsoft.com/office/officeart/2005/8/layout/default"/>
+    <dgm:cxn modelId="{CA45356C-AF69-4705-8E62-D7049EE00E29}" type="presParOf" srcId="{D19009C1-677E-44D2-A07F-731ECF0F898E}" destId="{D00D7559-E4D1-464D-AF94-11EA90CDF18D}" srcOrd="2" destOrd="0" presId="urn:microsoft.com/office/officeart/2005/8/layout/default"/>
+  </dgm:cxnLst>
+  <dgm:bg/>
+  <dgm:whole/>
+  <dgm:extLst>
+    <a:ext uri="http://schemas.microsoft.com/office/drawing/2008/diagram">
+      <dsp:dataModelExt xmlns:dsp="http://schemas.microsoft.com/office/drawing/2008/diagram" relId="rId6" minVer="http://schemas.openxmlformats.org/drawingml/2006/diagram"/>
+    </a:ext>
+  </dgm:extLst>
+</dgm:dataModel>
+</file>
+
+<file path=ppt/diagrams/data6.xml><?xml version="1.0" encoding="utf-8"?>
 <dgm:dataModel xmlns:dgm="http://schemas.openxmlformats.org/drawingml/2006/diagram" xmlns:a="http://schemas.openxmlformats.org/drawingml/2006/main">
   <dgm:ptLst>
     <dgm:pt modelId="{3DDE196B-462C-44F0-A9F5-8E19E4F48ED5}" type="doc">
@@ -6430,11 +7373,15 @@
           </a:pPr>
           <a:r>
             <a:rPr lang="en-US" sz="2800" kern="1200" dirty="0" smtClean="0"/>
-            <a:t>Azure Python </a:t>
+            <a:t>Azure </a:t>
           </a:r>
           <a:r>
             <a:rPr lang="en-US" sz="2800" kern="1200" dirty="0" err="1" smtClean="0"/>
             <a:t>Cli</a:t>
+          </a:r>
+          <a:r>
+            <a:rPr lang="en-US" sz="2800" kern="1200" dirty="0" smtClean="0"/>
+            <a:t> 2.0</a:t>
           </a:r>
           <a:endParaRPr lang="en-US" sz="2800" kern="1200" dirty="0"/>
         </a:p>
@@ -6729,6 +7676,186 @@
 </file>
 
 <file path=ppt/diagrams/drawing5.xml><?xml version="1.0" encoding="utf-8"?>
+<dsp:drawing xmlns:dgm="http://schemas.openxmlformats.org/drawingml/2006/diagram" xmlns:dsp="http://schemas.microsoft.com/office/drawing/2008/diagram" xmlns:a="http://schemas.openxmlformats.org/drawingml/2006/main">
+  <dsp:spTree>
+    <dsp:nvGrpSpPr>
+      <dsp:cNvPr id="0" name=""/>
+      <dsp:cNvGrpSpPr/>
+    </dsp:nvGrpSpPr>
+    <dsp:grpSpPr/>
+    <dsp:sp modelId="{3830D593-5770-4B7A-9570-319B372F5240}">
+      <dsp:nvSpPr>
+        <dsp:cNvPr id="0" name=""/>
+        <dsp:cNvSpPr/>
+      </dsp:nvSpPr>
+      <dsp:spPr>
+        <a:xfrm>
+          <a:off x="1283" y="673807"/>
+          <a:ext cx="5006206" cy="3003723"/>
+        </a:xfrm>
+        <a:prstGeom prst="rect">
+          <a:avLst/>
+        </a:prstGeom>
+        <a:solidFill>
+          <a:schemeClr val="tx2">
+            <a:lumMod val="75000"/>
+            <a:lumOff val="25000"/>
+          </a:schemeClr>
+        </a:solidFill>
+        <a:ln w="12700" cap="flat" cmpd="sng" algn="ctr">
+          <a:solidFill>
+            <a:schemeClr val="lt1">
+              <a:hueOff val="0"/>
+              <a:satOff val="0"/>
+              <a:lumOff val="0"/>
+              <a:alphaOff val="0"/>
+            </a:schemeClr>
+          </a:solidFill>
+          <a:prstDash val="solid"/>
+          <a:miter lim="800000"/>
+        </a:ln>
+        <a:effectLst/>
+      </dsp:spPr>
+      <dsp:style>
+        <a:lnRef idx="2">
+          <a:scrgbClr r="0" g="0" b="0"/>
+        </a:lnRef>
+        <a:fillRef idx="1">
+          <a:scrgbClr r="0" g="0" b="0"/>
+        </a:fillRef>
+        <a:effectRef idx="0">
+          <a:scrgbClr r="0" g="0" b="0"/>
+        </a:effectRef>
+        <a:fontRef idx="minor">
+          <a:schemeClr val="lt1"/>
+        </a:fontRef>
+      </dsp:style>
+      <dsp:txBody>
+        <a:bodyPr spcFirstLastPara="0" vert="horz" wrap="square" lIns="179070" tIns="179070" rIns="179070" bIns="179070" numCol="1" spcCol="1270" anchor="ctr" anchorCtr="0">
+          <a:noAutofit/>
+        </a:bodyPr>
+        <a:lstStyle/>
+        <a:p>
+          <a:pPr lvl="0" algn="ctr" defTabSz="2089150">
+            <a:lnSpc>
+              <a:spcPct val="90000"/>
+            </a:lnSpc>
+            <a:spcBef>
+              <a:spcPct val="0"/>
+            </a:spcBef>
+            <a:spcAft>
+              <a:spcPct val="35000"/>
+            </a:spcAft>
+          </a:pPr>
+          <a:r>
+            <a:rPr lang="en-US" sz="4700" kern="1200" dirty="0" smtClean="0"/>
+            <a:t>Fiddler</a:t>
+          </a:r>
+          <a:endParaRPr lang="en-US" sz="4700" kern="1200" dirty="0"/>
+        </a:p>
+      </dsp:txBody>
+      <dsp:txXfrm>
+        <a:off x="1283" y="673807"/>
+        <a:ext cx="5006206" cy="3003723"/>
+      </dsp:txXfrm>
+    </dsp:sp>
+    <dsp:sp modelId="{D00D7559-E4D1-464D-AF94-11EA90CDF18D}">
+      <dsp:nvSpPr>
+        <dsp:cNvPr id="0" name=""/>
+        <dsp:cNvSpPr/>
+      </dsp:nvSpPr>
+      <dsp:spPr>
+        <a:xfrm>
+          <a:off x="5508110" y="673807"/>
+          <a:ext cx="5006206" cy="3003723"/>
+        </a:xfrm>
+        <a:prstGeom prst="rect">
+          <a:avLst/>
+        </a:prstGeom>
+        <a:solidFill>
+          <a:schemeClr val="tx2">
+            <a:lumMod val="75000"/>
+            <a:lumOff val="25000"/>
+          </a:schemeClr>
+        </a:solidFill>
+        <a:ln w="12700" cap="flat" cmpd="sng" algn="ctr">
+          <a:solidFill>
+            <a:schemeClr val="lt1">
+              <a:hueOff val="0"/>
+              <a:satOff val="0"/>
+              <a:lumOff val="0"/>
+              <a:alphaOff val="0"/>
+            </a:schemeClr>
+          </a:solidFill>
+          <a:prstDash val="solid"/>
+          <a:miter lim="800000"/>
+        </a:ln>
+        <a:effectLst/>
+      </dsp:spPr>
+      <dsp:style>
+        <a:lnRef idx="2">
+          <a:scrgbClr r="0" g="0" b="0"/>
+        </a:lnRef>
+        <a:fillRef idx="1">
+          <a:scrgbClr r="0" g="0" b="0"/>
+        </a:fillRef>
+        <a:effectRef idx="0">
+          <a:scrgbClr r="0" g="0" b="0"/>
+        </a:effectRef>
+        <a:fontRef idx="minor">
+          <a:schemeClr val="lt1"/>
+        </a:fontRef>
+      </dsp:style>
+      <dsp:txBody>
+        <a:bodyPr spcFirstLastPara="0" vert="horz" wrap="square" lIns="179070" tIns="179070" rIns="179070" bIns="179070" numCol="1" spcCol="1270" anchor="ctr" anchorCtr="0">
+          <a:noAutofit/>
+        </a:bodyPr>
+        <a:lstStyle/>
+        <a:p>
+          <a:pPr lvl="0" algn="ctr" defTabSz="2089150">
+            <a:lnSpc>
+              <a:spcPct val="90000"/>
+            </a:lnSpc>
+            <a:spcBef>
+              <a:spcPct val="0"/>
+            </a:spcBef>
+            <a:spcAft>
+              <a:spcPct val="35000"/>
+            </a:spcAft>
+          </a:pPr>
+          <a:r>
+            <a:rPr lang="en-US" sz="4700" kern="1200" dirty="0" smtClean="0"/>
+            <a:t>Rest API clients (postman, insomnia, </a:t>
+          </a:r>
+          <a:r>
+            <a:rPr lang="en-US" sz="4700" kern="1200" dirty="0" err="1" smtClean="0"/>
+            <a:t>armclient</a:t>
+          </a:r>
+          <a:r>
+            <a:rPr lang="en-US" sz="4700" kern="1200" dirty="0" smtClean="0"/>
+            <a:t>, </a:t>
+          </a:r>
+          <a:r>
+            <a:rPr lang="en-US" sz="4700" kern="1200" dirty="0" err="1" smtClean="0"/>
+            <a:t>etc</a:t>
+          </a:r>
+          <a:r>
+            <a:rPr lang="en-US" sz="4700" kern="1200" dirty="0" smtClean="0"/>
+            <a:t>)</a:t>
+          </a:r>
+          <a:endParaRPr lang="en-US" sz="4700" kern="1200" dirty="0"/>
+        </a:p>
+      </dsp:txBody>
+      <dsp:txXfrm>
+        <a:off x="5508110" y="673807"/>
+        <a:ext cx="5006206" cy="3003723"/>
+      </dsp:txXfrm>
+    </dsp:sp>
+  </dsp:spTree>
+</dsp:drawing>
+</file>
+
+<file path=ppt/diagrams/drawing6.xml><?xml version="1.0" encoding="utf-8"?>
 <dsp:drawing xmlns:dgm="http://schemas.openxmlformats.org/drawingml/2006/diagram" xmlns:dsp="http://schemas.microsoft.com/office/drawing/2008/diagram" xmlns:a="http://schemas.openxmlformats.org/drawingml/2006/main">
   <dsp:spTree>
     <dsp:nvGrpSpPr>
@@ -8246,6 +9373,153 @@
 </file>
 
 <file path=ppt/diagrams/layout5.xml><?xml version="1.0" encoding="utf-8"?>
+<dgm:layoutDef xmlns:dgm="http://schemas.openxmlformats.org/drawingml/2006/diagram" xmlns:a="http://schemas.openxmlformats.org/drawingml/2006/main" uniqueId="urn:microsoft.com/office/officeart/2005/8/layout/default">
+  <dgm:title val=""/>
+  <dgm:desc val=""/>
+  <dgm:catLst>
+    <dgm:cat type="list" pri="400"/>
+  </dgm:catLst>
+  <dgm:sampData>
+    <dgm:dataModel>
+      <dgm:ptLst>
+        <dgm:pt modelId="0" type="doc"/>
+        <dgm:pt modelId="1">
+          <dgm:prSet phldr="1"/>
+        </dgm:pt>
+        <dgm:pt modelId="2">
+          <dgm:prSet phldr="1"/>
+        </dgm:pt>
+        <dgm:pt modelId="3">
+          <dgm:prSet phldr="1"/>
+        </dgm:pt>
+        <dgm:pt modelId="4">
+          <dgm:prSet phldr="1"/>
+        </dgm:pt>
+        <dgm:pt modelId="5">
+          <dgm:prSet phldr="1"/>
+        </dgm:pt>
+      </dgm:ptLst>
+      <dgm:cxnLst>
+        <dgm:cxn modelId="6" srcId="0" destId="1" srcOrd="0" destOrd="0"/>
+        <dgm:cxn modelId="7" srcId="0" destId="2" srcOrd="1" destOrd="0"/>
+        <dgm:cxn modelId="8" srcId="0" destId="3" srcOrd="2" destOrd="0"/>
+        <dgm:cxn modelId="9" srcId="0" destId="4" srcOrd="3" destOrd="0"/>
+        <dgm:cxn modelId="10" srcId="0" destId="5" srcOrd="4" destOrd="0"/>
+      </dgm:cxnLst>
+      <dgm:bg/>
+      <dgm:whole/>
+    </dgm:dataModel>
+  </dgm:sampData>
+  <dgm:styleData>
+    <dgm:dataModel>
+      <dgm:ptLst>
+        <dgm:pt modelId="0" type="doc"/>
+        <dgm:pt modelId="1"/>
+        <dgm:pt modelId="2"/>
+      </dgm:ptLst>
+      <dgm:cxnLst>
+        <dgm:cxn modelId="3" srcId="0" destId="1" srcOrd="0" destOrd="0"/>
+        <dgm:cxn modelId="4" srcId="0" destId="2" srcOrd="1" destOrd="0"/>
+      </dgm:cxnLst>
+      <dgm:bg/>
+      <dgm:whole/>
+    </dgm:dataModel>
+  </dgm:styleData>
+  <dgm:clrData>
+    <dgm:dataModel>
+      <dgm:ptLst>
+        <dgm:pt modelId="0" type="doc"/>
+        <dgm:pt modelId="1"/>
+        <dgm:pt modelId="2"/>
+        <dgm:pt modelId="3"/>
+        <dgm:pt modelId="4"/>
+        <dgm:pt modelId="5"/>
+        <dgm:pt modelId="6"/>
+      </dgm:ptLst>
+      <dgm:cxnLst>
+        <dgm:cxn modelId="7" srcId="0" destId="1" srcOrd="0" destOrd="0"/>
+        <dgm:cxn modelId="8" srcId="0" destId="2" srcOrd="1" destOrd="0"/>
+        <dgm:cxn modelId="9" srcId="0" destId="3" srcOrd="2" destOrd="0"/>
+        <dgm:cxn modelId="10" srcId="0" destId="4" srcOrd="3" destOrd="0"/>
+        <dgm:cxn modelId="11" srcId="0" destId="5" srcOrd="4" destOrd="0"/>
+        <dgm:cxn modelId="12" srcId="0" destId="6" srcOrd="5" destOrd="0"/>
+      </dgm:cxnLst>
+      <dgm:bg/>
+      <dgm:whole/>
+    </dgm:dataModel>
+  </dgm:clrData>
+  <dgm:layoutNode name="diagram">
+    <dgm:varLst>
+      <dgm:dir/>
+      <dgm:resizeHandles val="exact"/>
+    </dgm:varLst>
+    <dgm:choose name="Name0">
+      <dgm:if name="Name1" func="var" arg="dir" op="equ" val="norm">
+        <dgm:alg type="snake">
+          <dgm:param type="grDir" val="tL"/>
+          <dgm:param type="flowDir" val="row"/>
+          <dgm:param type="contDir" val="sameDir"/>
+          <dgm:param type="off" val="ctr"/>
+        </dgm:alg>
+      </dgm:if>
+      <dgm:else name="Name2">
+        <dgm:alg type="snake">
+          <dgm:param type="grDir" val="tR"/>
+          <dgm:param type="flowDir" val="row"/>
+          <dgm:param type="contDir" val="sameDir"/>
+          <dgm:param type="off" val="ctr"/>
+        </dgm:alg>
+      </dgm:else>
+    </dgm:choose>
+    <dgm:shape xmlns:r="http://schemas.openxmlformats.org/officeDocument/2006/relationships" r:blip="">
+      <dgm:adjLst/>
+    </dgm:shape>
+    <dgm:presOf/>
+    <dgm:constrLst>
+      <dgm:constr type="w" for="ch" forName="node" refType="w"/>
+      <dgm:constr type="h" for="ch" forName="node" refType="w" refFor="ch" refForName="node" fact="0.6"/>
+      <dgm:constr type="w" for="ch" forName="sibTrans" refType="w" refFor="ch" refForName="node" fact="0.1"/>
+      <dgm:constr type="sp" refType="w" refFor="ch" refForName="sibTrans"/>
+      <dgm:constr type="primFontSz" for="ch" forName="node" op="equ" val="65"/>
+    </dgm:constrLst>
+    <dgm:ruleLst/>
+    <dgm:forEach name="Name3" axis="ch" ptType="node">
+      <dgm:layoutNode name="node">
+        <dgm:varLst>
+          <dgm:bulletEnabled val="1"/>
+        </dgm:varLst>
+        <dgm:alg type="tx"/>
+        <dgm:shape xmlns:r="http://schemas.openxmlformats.org/officeDocument/2006/relationships" type="rect" r:blip="">
+          <dgm:adjLst/>
+        </dgm:shape>
+        <dgm:presOf axis="desOrSelf" ptType="node"/>
+        <dgm:constrLst>
+          <dgm:constr type="lMarg" refType="primFontSz" fact="0.3"/>
+          <dgm:constr type="rMarg" refType="primFontSz" fact="0.3"/>
+          <dgm:constr type="tMarg" refType="primFontSz" fact="0.3"/>
+          <dgm:constr type="bMarg" refType="primFontSz" fact="0.3"/>
+        </dgm:constrLst>
+        <dgm:ruleLst>
+          <dgm:rule type="primFontSz" val="5" fact="NaN" max="NaN"/>
+        </dgm:ruleLst>
+      </dgm:layoutNode>
+      <dgm:forEach name="Name4" axis="followSib" ptType="sibTrans" cnt="1">
+        <dgm:layoutNode name="sibTrans">
+          <dgm:alg type="sp"/>
+          <dgm:shape xmlns:r="http://schemas.openxmlformats.org/officeDocument/2006/relationships" r:blip="">
+            <dgm:adjLst/>
+          </dgm:shape>
+          <dgm:presOf/>
+          <dgm:constrLst/>
+          <dgm:ruleLst/>
+        </dgm:layoutNode>
+      </dgm:forEach>
+    </dgm:forEach>
+  </dgm:layoutNode>
+</dgm:layoutDef>
+</file>
+
+<file path=ppt/diagrams/layout6.xml><?xml version="1.0" encoding="utf-8"?>
 <dgm:layoutDef xmlns:dgm="http://schemas.openxmlformats.org/drawingml/2006/diagram" xmlns:a="http://schemas.openxmlformats.org/drawingml/2006/main" uniqueId="urn:microsoft.com/office/officeart/2005/8/layout/hProcess4">
   <dgm:title val=""/>
   <dgm:desc val=""/>
@@ -13959,6 +15233,1040 @@
 </dgm:styleDef>
 </file>
 
+<file path=ppt/diagrams/quickStyle6.xml><?xml version="1.0" encoding="utf-8"?>
+<dgm:styleDef xmlns:dgm="http://schemas.openxmlformats.org/drawingml/2006/diagram" xmlns:a="http://schemas.openxmlformats.org/drawingml/2006/main" uniqueId="urn:microsoft.com/office/officeart/2005/8/quickstyle/simple1">
+  <dgm:title val=""/>
+  <dgm:desc val=""/>
+  <dgm:catLst>
+    <dgm:cat type="simple" pri="10100"/>
+  </dgm:catLst>
+  <dgm:scene3d>
+    <a:camera prst="orthographicFront"/>
+    <a:lightRig rig="threePt" dir="t"/>
+  </dgm:scene3d>
+  <dgm:styleLbl name="node0">
+    <dgm:scene3d>
+      <a:camera prst="orthographicFront"/>
+      <a:lightRig rig="threePt" dir="t"/>
+    </dgm:scene3d>
+    <dgm:sp3d/>
+    <dgm:txPr/>
+    <dgm:style>
+      <a:lnRef idx="2">
+        <a:scrgbClr r="0" g="0" b="0"/>
+      </a:lnRef>
+      <a:fillRef idx="1">
+        <a:scrgbClr r="0" g="0" b="0"/>
+      </a:fillRef>
+      <a:effectRef idx="0">
+        <a:scrgbClr r="0" g="0" b="0"/>
+      </a:effectRef>
+      <a:fontRef idx="minor">
+        <a:schemeClr val="lt1"/>
+      </a:fontRef>
+    </dgm:style>
+  </dgm:styleLbl>
+  <dgm:styleLbl name="lnNode1">
+    <dgm:scene3d>
+      <a:camera prst="orthographicFront"/>
+      <a:lightRig rig="threePt" dir="t"/>
+    </dgm:scene3d>
+    <dgm:sp3d/>
+    <dgm:txPr/>
+    <dgm:style>
+      <a:lnRef idx="2">
+        <a:scrgbClr r="0" g="0" b="0"/>
+      </a:lnRef>
+      <a:fillRef idx="1">
+        <a:scrgbClr r="0" g="0" b="0"/>
+      </a:fillRef>
+      <a:effectRef idx="0">
+        <a:scrgbClr r="0" g="0" b="0"/>
+      </a:effectRef>
+      <a:fontRef idx="minor">
+        <a:schemeClr val="lt1"/>
+      </a:fontRef>
+    </dgm:style>
+  </dgm:styleLbl>
+  <dgm:styleLbl name="vennNode1">
+    <dgm:scene3d>
+      <a:camera prst="orthographicFront"/>
+      <a:lightRig rig="threePt" dir="t"/>
+    </dgm:scene3d>
+    <dgm:sp3d/>
+    <dgm:txPr/>
+    <dgm:style>
+      <a:lnRef idx="2">
+        <a:scrgbClr r="0" g="0" b="0"/>
+      </a:lnRef>
+      <a:fillRef idx="1">
+        <a:scrgbClr r="0" g="0" b="0"/>
+      </a:fillRef>
+      <a:effectRef idx="0">
+        <a:scrgbClr r="0" g="0" b="0"/>
+      </a:effectRef>
+      <a:fontRef idx="minor">
+        <a:schemeClr val="tx1"/>
+      </a:fontRef>
+    </dgm:style>
+  </dgm:styleLbl>
+  <dgm:styleLbl name="alignNode1">
+    <dgm:scene3d>
+      <a:camera prst="orthographicFront"/>
+      <a:lightRig rig="threePt" dir="t"/>
+    </dgm:scene3d>
+    <dgm:sp3d/>
+    <dgm:txPr/>
+    <dgm:style>
+      <a:lnRef idx="2">
+        <a:scrgbClr r="0" g="0" b="0"/>
+      </a:lnRef>
+      <a:fillRef idx="1">
+        <a:scrgbClr r="0" g="0" b="0"/>
+      </a:fillRef>
+      <a:effectRef idx="0">
+        <a:scrgbClr r="0" g="0" b="0"/>
+      </a:effectRef>
+      <a:fontRef idx="minor">
+        <a:schemeClr val="lt1"/>
+      </a:fontRef>
+    </dgm:style>
+  </dgm:styleLbl>
+  <dgm:styleLbl name="node1">
+    <dgm:scene3d>
+      <a:camera prst="orthographicFront"/>
+      <a:lightRig rig="threePt" dir="t"/>
+    </dgm:scene3d>
+    <dgm:sp3d/>
+    <dgm:txPr/>
+    <dgm:style>
+      <a:lnRef idx="2">
+        <a:scrgbClr r="0" g="0" b="0"/>
+      </a:lnRef>
+      <a:fillRef idx="1">
+        <a:scrgbClr r="0" g="0" b="0"/>
+      </a:fillRef>
+      <a:effectRef idx="0">
+        <a:scrgbClr r="0" g="0" b="0"/>
+      </a:effectRef>
+      <a:fontRef idx="minor">
+        <a:schemeClr val="lt1"/>
+      </a:fontRef>
+    </dgm:style>
+  </dgm:styleLbl>
+  <dgm:styleLbl name="node2">
+    <dgm:scene3d>
+      <a:camera prst="orthographicFront"/>
+      <a:lightRig rig="threePt" dir="t"/>
+    </dgm:scene3d>
+    <dgm:sp3d/>
+    <dgm:txPr/>
+    <dgm:style>
+      <a:lnRef idx="2">
+        <a:scrgbClr r="0" g="0" b="0"/>
+      </a:lnRef>
+      <a:fillRef idx="1">
+        <a:scrgbClr r="0" g="0" b="0"/>
+      </a:fillRef>
+      <a:effectRef idx="0">
+        <a:scrgbClr r="0" g="0" b="0"/>
+      </a:effectRef>
+      <a:fontRef idx="minor">
+        <a:schemeClr val="lt1"/>
+      </a:fontRef>
+    </dgm:style>
+  </dgm:styleLbl>
+  <dgm:styleLbl name="node3">
+    <dgm:scene3d>
+      <a:camera prst="orthographicFront"/>
+      <a:lightRig rig="threePt" dir="t"/>
+    </dgm:scene3d>
+    <dgm:sp3d/>
+    <dgm:txPr/>
+    <dgm:style>
+      <a:lnRef idx="2">
+        <a:scrgbClr r="0" g="0" b="0"/>
+      </a:lnRef>
+      <a:fillRef idx="1">
+        <a:scrgbClr r="0" g="0" b="0"/>
+      </a:fillRef>
+      <a:effectRef idx="0">
+        <a:scrgbClr r="0" g="0" b="0"/>
+      </a:effectRef>
+      <a:fontRef idx="minor">
+        <a:schemeClr val="lt1"/>
+      </a:fontRef>
+    </dgm:style>
+  </dgm:styleLbl>
+  <dgm:styleLbl name="node4">
+    <dgm:scene3d>
+      <a:camera prst="orthographicFront"/>
+      <a:lightRig rig="threePt" dir="t"/>
+    </dgm:scene3d>
+    <dgm:sp3d/>
+    <dgm:txPr/>
+    <dgm:style>
+      <a:lnRef idx="2">
+        <a:scrgbClr r="0" g="0" b="0"/>
+      </a:lnRef>
+      <a:fillRef idx="1">
+        <a:scrgbClr r="0" g="0" b="0"/>
+      </a:fillRef>
+      <a:effectRef idx="0">
+        <a:scrgbClr r="0" g="0" b="0"/>
+      </a:effectRef>
+      <a:fontRef idx="minor">
+        <a:schemeClr val="lt1"/>
+      </a:fontRef>
+    </dgm:style>
+  </dgm:styleLbl>
+  <dgm:styleLbl name="fgImgPlace1">
+    <dgm:scene3d>
+      <a:camera prst="orthographicFront"/>
+      <a:lightRig rig="threePt" dir="t"/>
+    </dgm:scene3d>
+    <dgm:sp3d/>
+    <dgm:txPr/>
+    <dgm:style>
+      <a:lnRef idx="2">
+        <a:scrgbClr r="0" g="0" b="0"/>
+      </a:lnRef>
+      <a:fillRef idx="1">
+        <a:scrgbClr r="0" g="0" b="0"/>
+      </a:fillRef>
+      <a:effectRef idx="0">
+        <a:scrgbClr r="0" g="0" b="0"/>
+      </a:effectRef>
+      <a:fontRef idx="minor"/>
+    </dgm:style>
+  </dgm:styleLbl>
+  <dgm:styleLbl name="alignImgPlace1">
+    <dgm:scene3d>
+      <a:camera prst="orthographicFront"/>
+      <a:lightRig rig="threePt" dir="t"/>
+    </dgm:scene3d>
+    <dgm:sp3d/>
+    <dgm:txPr/>
+    <dgm:style>
+      <a:lnRef idx="2">
+        <a:scrgbClr r="0" g="0" b="0"/>
+      </a:lnRef>
+      <a:fillRef idx="1">
+        <a:scrgbClr r="0" g="0" b="0"/>
+      </a:fillRef>
+      <a:effectRef idx="0">
+        <a:scrgbClr r="0" g="0" b="0"/>
+      </a:effectRef>
+      <a:fontRef idx="minor"/>
+    </dgm:style>
+  </dgm:styleLbl>
+  <dgm:styleLbl name="bgImgPlace1">
+    <dgm:scene3d>
+      <a:camera prst="orthographicFront"/>
+      <a:lightRig rig="threePt" dir="t"/>
+    </dgm:scene3d>
+    <dgm:sp3d/>
+    <dgm:txPr/>
+    <dgm:style>
+      <a:lnRef idx="2">
+        <a:scrgbClr r="0" g="0" b="0"/>
+      </a:lnRef>
+      <a:fillRef idx="1">
+        <a:scrgbClr r="0" g="0" b="0"/>
+      </a:fillRef>
+      <a:effectRef idx="0">
+        <a:scrgbClr r="0" g="0" b="0"/>
+      </a:effectRef>
+      <a:fontRef idx="minor"/>
+    </dgm:style>
+  </dgm:styleLbl>
+  <dgm:styleLbl name="sibTrans2D1">
+    <dgm:scene3d>
+      <a:camera prst="orthographicFront"/>
+      <a:lightRig rig="threePt" dir="t"/>
+    </dgm:scene3d>
+    <dgm:sp3d/>
+    <dgm:txPr/>
+    <dgm:style>
+      <a:lnRef idx="0">
+        <a:scrgbClr r="0" g="0" b="0"/>
+      </a:lnRef>
+      <a:fillRef idx="1">
+        <a:scrgbClr r="0" g="0" b="0"/>
+      </a:fillRef>
+      <a:effectRef idx="0">
+        <a:scrgbClr r="0" g="0" b="0"/>
+      </a:effectRef>
+      <a:fontRef idx="minor">
+        <a:schemeClr val="lt1"/>
+      </a:fontRef>
+    </dgm:style>
+  </dgm:styleLbl>
+  <dgm:styleLbl name="fgSibTrans2D1">
+    <dgm:scene3d>
+      <a:camera prst="orthographicFront"/>
+      <a:lightRig rig="threePt" dir="t"/>
+    </dgm:scene3d>
+    <dgm:sp3d/>
+    <dgm:txPr/>
+    <dgm:style>
+      <a:lnRef idx="0">
+        <a:scrgbClr r="0" g="0" b="0"/>
+      </a:lnRef>
+      <a:fillRef idx="1">
+        <a:scrgbClr r="0" g="0" b="0"/>
+      </a:fillRef>
+      <a:effectRef idx="0">
+        <a:scrgbClr r="0" g="0" b="0"/>
+      </a:effectRef>
+      <a:fontRef idx="minor">
+        <a:schemeClr val="lt1"/>
+      </a:fontRef>
+    </dgm:style>
+  </dgm:styleLbl>
+  <dgm:styleLbl name="bgSibTrans2D1">
+    <dgm:scene3d>
+      <a:camera prst="orthographicFront"/>
+      <a:lightRig rig="threePt" dir="t"/>
+    </dgm:scene3d>
+    <dgm:sp3d/>
+    <dgm:txPr/>
+    <dgm:style>
+      <a:lnRef idx="0">
+        <a:scrgbClr r="0" g="0" b="0"/>
+      </a:lnRef>
+      <a:fillRef idx="1">
+        <a:scrgbClr r="0" g="0" b="0"/>
+      </a:fillRef>
+      <a:effectRef idx="0">
+        <a:scrgbClr r="0" g="0" b="0"/>
+      </a:effectRef>
+      <a:fontRef idx="minor">
+        <a:schemeClr val="lt1"/>
+      </a:fontRef>
+    </dgm:style>
+  </dgm:styleLbl>
+  <dgm:styleLbl name="sibTrans1D1">
+    <dgm:scene3d>
+      <a:camera prst="orthographicFront"/>
+      <a:lightRig rig="threePt" dir="t"/>
+    </dgm:scene3d>
+    <dgm:sp3d/>
+    <dgm:txPr/>
+    <dgm:style>
+      <a:lnRef idx="1">
+        <a:scrgbClr r="0" g="0" b="0"/>
+      </a:lnRef>
+      <a:fillRef idx="0">
+        <a:scrgbClr r="0" g="0" b="0"/>
+      </a:fillRef>
+      <a:effectRef idx="0">
+        <a:scrgbClr r="0" g="0" b="0"/>
+      </a:effectRef>
+      <a:fontRef idx="minor"/>
+    </dgm:style>
+  </dgm:styleLbl>
+  <dgm:styleLbl name="callout">
+    <dgm:scene3d>
+      <a:camera prst="orthographicFront"/>
+      <a:lightRig rig="threePt" dir="t"/>
+    </dgm:scene3d>
+    <dgm:sp3d/>
+    <dgm:txPr/>
+    <dgm:style>
+      <a:lnRef idx="2">
+        <a:scrgbClr r="0" g="0" b="0"/>
+      </a:lnRef>
+      <a:fillRef idx="1">
+        <a:scrgbClr r="0" g="0" b="0"/>
+      </a:fillRef>
+      <a:effectRef idx="0">
+        <a:scrgbClr r="0" g="0" b="0"/>
+      </a:effectRef>
+      <a:fontRef idx="minor"/>
+    </dgm:style>
+  </dgm:styleLbl>
+  <dgm:styleLbl name="asst0">
+    <dgm:scene3d>
+      <a:camera prst="orthographicFront"/>
+      <a:lightRig rig="threePt" dir="t"/>
+    </dgm:scene3d>
+    <dgm:sp3d/>
+    <dgm:txPr/>
+    <dgm:style>
+      <a:lnRef idx="2">
+        <a:scrgbClr r="0" g="0" b="0"/>
+      </a:lnRef>
+      <a:fillRef idx="1">
+        <a:scrgbClr r="0" g="0" b="0"/>
+      </a:fillRef>
+      <a:effectRef idx="0">
+        <a:scrgbClr r="0" g="0" b="0"/>
+      </a:effectRef>
+      <a:fontRef idx="minor">
+        <a:schemeClr val="lt1"/>
+      </a:fontRef>
+    </dgm:style>
+  </dgm:styleLbl>
+  <dgm:styleLbl name="asst1">
+    <dgm:scene3d>
+      <a:camera prst="orthographicFront"/>
+      <a:lightRig rig="threePt" dir="t"/>
+    </dgm:scene3d>
+    <dgm:sp3d/>
+    <dgm:txPr/>
+    <dgm:style>
+      <a:lnRef idx="2">
+        <a:scrgbClr r="0" g="0" b="0"/>
+      </a:lnRef>
+      <a:fillRef idx="1">
+        <a:scrgbClr r="0" g="0" b="0"/>
+      </a:fillRef>
+      <a:effectRef idx="0">
+        <a:scrgbClr r="0" g="0" b="0"/>
+      </a:effectRef>
+      <a:fontRef idx="minor">
+        <a:schemeClr val="lt1"/>
+      </a:fontRef>
+    </dgm:style>
+  </dgm:styleLbl>
+  <dgm:styleLbl name="asst2">
+    <dgm:scene3d>
+      <a:camera prst="orthographicFront"/>
+      <a:lightRig rig="threePt" dir="t"/>
+    </dgm:scene3d>
+    <dgm:sp3d/>
+    <dgm:txPr/>
+    <dgm:style>
+      <a:lnRef idx="2">
+        <a:scrgbClr r="0" g="0" b="0"/>
+      </a:lnRef>
+      <a:fillRef idx="1">
+        <a:scrgbClr r="0" g="0" b="0"/>
+      </a:fillRef>
+      <a:effectRef idx="0">
+        <a:scrgbClr r="0" g="0" b="0"/>
+      </a:effectRef>
+      <a:fontRef idx="minor">
+        <a:schemeClr val="lt1"/>
+      </a:fontRef>
+    </dgm:style>
+  </dgm:styleLbl>
+  <dgm:styleLbl name="asst3">
+    <dgm:scene3d>
+      <a:camera prst="orthographicFront"/>
+      <a:lightRig rig="threePt" dir="t"/>
+    </dgm:scene3d>
+    <dgm:sp3d/>
+    <dgm:txPr/>
+    <dgm:style>
+      <a:lnRef idx="2">
+        <a:scrgbClr r="0" g="0" b="0"/>
+      </a:lnRef>
+      <a:fillRef idx="1">
+        <a:scrgbClr r="0" g="0" b="0"/>
+      </a:fillRef>
+      <a:effectRef idx="0">
+        <a:scrgbClr r="0" g="0" b="0"/>
+      </a:effectRef>
+      <a:fontRef idx="minor">
+        <a:schemeClr val="lt1"/>
+      </a:fontRef>
+    </dgm:style>
+  </dgm:styleLbl>
+  <dgm:styleLbl name="asst4">
+    <dgm:scene3d>
+      <a:camera prst="orthographicFront"/>
+      <a:lightRig rig="threePt" dir="t"/>
+    </dgm:scene3d>
+    <dgm:sp3d/>
+    <dgm:txPr/>
+    <dgm:style>
+      <a:lnRef idx="2">
+        <a:scrgbClr r="0" g="0" b="0"/>
+      </a:lnRef>
+      <a:fillRef idx="1">
+        <a:scrgbClr r="0" g="0" b="0"/>
+      </a:fillRef>
+      <a:effectRef idx="0">
+        <a:scrgbClr r="0" g="0" b="0"/>
+      </a:effectRef>
+      <a:fontRef idx="minor">
+        <a:schemeClr val="lt1"/>
+      </a:fontRef>
+    </dgm:style>
+  </dgm:styleLbl>
+  <dgm:styleLbl name="parChTrans2D1">
+    <dgm:scene3d>
+      <a:camera prst="orthographicFront"/>
+      <a:lightRig rig="threePt" dir="t"/>
+    </dgm:scene3d>
+    <dgm:sp3d/>
+    <dgm:txPr/>
+    <dgm:style>
+      <a:lnRef idx="2">
+        <a:scrgbClr r="0" g="0" b="0"/>
+      </a:lnRef>
+      <a:fillRef idx="1">
+        <a:scrgbClr r="0" g="0" b="0"/>
+      </a:fillRef>
+      <a:effectRef idx="0">
+        <a:scrgbClr r="0" g="0" b="0"/>
+      </a:effectRef>
+      <a:fontRef idx="minor">
+        <a:schemeClr val="lt1"/>
+      </a:fontRef>
+    </dgm:style>
+  </dgm:styleLbl>
+  <dgm:styleLbl name="parChTrans2D2">
+    <dgm:scene3d>
+      <a:camera prst="orthographicFront"/>
+      <a:lightRig rig="threePt" dir="t"/>
+    </dgm:scene3d>
+    <dgm:sp3d/>
+    <dgm:txPr/>
+    <dgm:style>
+      <a:lnRef idx="2">
+        <a:scrgbClr r="0" g="0" b="0"/>
+      </a:lnRef>
+      <a:fillRef idx="1">
+        <a:scrgbClr r="0" g="0" b="0"/>
+      </a:fillRef>
+      <a:effectRef idx="0">
+        <a:scrgbClr r="0" g="0" b="0"/>
+      </a:effectRef>
+      <a:fontRef idx="minor">
+        <a:schemeClr val="lt1"/>
+      </a:fontRef>
+    </dgm:style>
+  </dgm:styleLbl>
+  <dgm:styleLbl name="parChTrans2D3">
+    <dgm:scene3d>
+      <a:camera prst="orthographicFront"/>
+      <a:lightRig rig="threePt" dir="t"/>
+    </dgm:scene3d>
+    <dgm:sp3d/>
+    <dgm:txPr/>
+    <dgm:style>
+      <a:lnRef idx="2">
+        <a:scrgbClr r="0" g="0" b="0"/>
+      </a:lnRef>
+      <a:fillRef idx="1">
+        <a:scrgbClr r="0" g="0" b="0"/>
+      </a:fillRef>
+      <a:effectRef idx="0">
+        <a:scrgbClr r="0" g="0" b="0"/>
+      </a:effectRef>
+      <a:fontRef idx="minor">
+        <a:schemeClr val="lt1"/>
+      </a:fontRef>
+    </dgm:style>
+  </dgm:styleLbl>
+  <dgm:styleLbl name="parChTrans2D4">
+    <dgm:scene3d>
+      <a:camera prst="orthographicFront"/>
+      <a:lightRig rig="threePt" dir="t"/>
+    </dgm:scene3d>
+    <dgm:sp3d/>
+    <dgm:txPr/>
+    <dgm:style>
+      <a:lnRef idx="2">
+        <a:scrgbClr r="0" g="0" b="0"/>
+      </a:lnRef>
+      <a:fillRef idx="1">
+        <a:scrgbClr r="0" g="0" b="0"/>
+      </a:fillRef>
+      <a:effectRef idx="0">
+        <a:scrgbClr r="0" g="0" b="0"/>
+      </a:effectRef>
+      <a:fontRef idx="minor">
+        <a:schemeClr val="lt1"/>
+      </a:fontRef>
+    </dgm:style>
+  </dgm:styleLbl>
+  <dgm:styleLbl name="parChTrans1D1">
+    <dgm:scene3d>
+      <a:camera prst="orthographicFront"/>
+      <a:lightRig rig="threePt" dir="t"/>
+    </dgm:scene3d>
+    <dgm:sp3d/>
+    <dgm:txPr/>
+    <dgm:style>
+      <a:lnRef idx="2">
+        <a:scrgbClr r="0" g="0" b="0"/>
+      </a:lnRef>
+      <a:fillRef idx="0">
+        <a:scrgbClr r="0" g="0" b="0"/>
+      </a:fillRef>
+      <a:effectRef idx="0">
+        <a:scrgbClr r="0" g="0" b="0"/>
+      </a:effectRef>
+      <a:fontRef idx="minor"/>
+    </dgm:style>
+  </dgm:styleLbl>
+  <dgm:styleLbl name="parChTrans1D2">
+    <dgm:scene3d>
+      <a:camera prst="orthographicFront"/>
+      <a:lightRig rig="threePt" dir="t"/>
+    </dgm:scene3d>
+    <dgm:sp3d/>
+    <dgm:txPr/>
+    <dgm:style>
+      <a:lnRef idx="2">
+        <a:scrgbClr r="0" g="0" b="0"/>
+      </a:lnRef>
+      <a:fillRef idx="0">
+        <a:scrgbClr r="0" g="0" b="0"/>
+      </a:fillRef>
+      <a:effectRef idx="0">
+        <a:scrgbClr r="0" g="0" b="0"/>
+      </a:effectRef>
+      <a:fontRef idx="minor"/>
+    </dgm:style>
+  </dgm:styleLbl>
+  <dgm:styleLbl name="parChTrans1D3">
+    <dgm:scene3d>
+      <a:camera prst="orthographicFront"/>
+      <a:lightRig rig="threePt" dir="t"/>
+    </dgm:scene3d>
+    <dgm:sp3d/>
+    <dgm:txPr/>
+    <dgm:style>
+      <a:lnRef idx="2">
+        <a:scrgbClr r="0" g="0" b="0"/>
+      </a:lnRef>
+      <a:fillRef idx="0">
+        <a:scrgbClr r="0" g="0" b="0"/>
+      </a:fillRef>
+      <a:effectRef idx="0">
+        <a:scrgbClr r="0" g="0" b="0"/>
+      </a:effectRef>
+      <a:fontRef idx="minor"/>
+    </dgm:style>
+  </dgm:styleLbl>
+  <dgm:styleLbl name="parChTrans1D4">
+    <dgm:scene3d>
+      <a:camera prst="orthographicFront"/>
+      <a:lightRig rig="threePt" dir="t"/>
+    </dgm:scene3d>
+    <dgm:sp3d/>
+    <dgm:txPr/>
+    <dgm:style>
+      <a:lnRef idx="2">
+        <a:scrgbClr r="0" g="0" b="0"/>
+      </a:lnRef>
+      <a:fillRef idx="0">
+        <a:scrgbClr r="0" g="0" b="0"/>
+      </a:fillRef>
+      <a:effectRef idx="0">
+        <a:scrgbClr r="0" g="0" b="0"/>
+      </a:effectRef>
+      <a:fontRef idx="minor"/>
+    </dgm:style>
+  </dgm:styleLbl>
+  <dgm:styleLbl name="fgAcc1">
+    <dgm:scene3d>
+      <a:camera prst="orthographicFront"/>
+      <a:lightRig rig="threePt" dir="t"/>
+    </dgm:scene3d>
+    <dgm:sp3d/>
+    <dgm:txPr/>
+    <dgm:style>
+      <a:lnRef idx="2">
+        <a:scrgbClr r="0" g="0" b="0"/>
+      </a:lnRef>
+      <a:fillRef idx="1">
+        <a:scrgbClr r="0" g="0" b="0"/>
+      </a:fillRef>
+      <a:effectRef idx="0">
+        <a:scrgbClr r="0" g="0" b="0"/>
+      </a:effectRef>
+      <a:fontRef idx="minor"/>
+    </dgm:style>
+  </dgm:styleLbl>
+  <dgm:styleLbl name="conFgAcc1">
+    <dgm:scene3d>
+      <a:camera prst="orthographicFront"/>
+      <a:lightRig rig="threePt" dir="t"/>
+    </dgm:scene3d>
+    <dgm:sp3d/>
+    <dgm:txPr/>
+    <dgm:style>
+      <a:lnRef idx="2">
+        <a:scrgbClr r="0" g="0" b="0"/>
+      </a:lnRef>
+      <a:fillRef idx="1">
+        <a:scrgbClr r="0" g="0" b="0"/>
+      </a:fillRef>
+      <a:effectRef idx="0">
+        <a:scrgbClr r="0" g="0" b="0"/>
+      </a:effectRef>
+      <a:fontRef idx="minor"/>
+    </dgm:style>
+  </dgm:styleLbl>
+  <dgm:styleLbl name="alignAcc1">
+    <dgm:scene3d>
+      <a:camera prst="orthographicFront"/>
+      <a:lightRig rig="threePt" dir="t"/>
+    </dgm:scene3d>
+    <dgm:sp3d/>
+    <dgm:txPr/>
+    <dgm:style>
+      <a:lnRef idx="2">
+        <a:scrgbClr r="0" g="0" b="0"/>
+      </a:lnRef>
+      <a:fillRef idx="1">
+        <a:scrgbClr r="0" g="0" b="0"/>
+      </a:fillRef>
+      <a:effectRef idx="0">
+        <a:scrgbClr r="0" g="0" b="0"/>
+      </a:effectRef>
+      <a:fontRef idx="minor"/>
+    </dgm:style>
+  </dgm:styleLbl>
+  <dgm:styleLbl name="trAlignAcc1">
+    <dgm:scene3d>
+      <a:camera prst="orthographicFront"/>
+      <a:lightRig rig="threePt" dir="t"/>
+    </dgm:scene3d>
+    <dgm:sp3d/>
+    <dgm:txPr/>
+    <dgm:style>
+      <a:lnRef idx="1">
+        <a:scrgbClr r="0" g="0" b="0"/>
+      </a:lnRef>
+      <a:fillRef idx="1">
+        <a:scrgbClr r="0" g="0" b="0"/>
+      </a:fillRef>
+      <a:effectRef idx="0">
+        <a:scrgbClr r="0" g="0" b="0"/>
+      </a:effectRef>
+      <a:fontRef idx="minor"/>
+    </dgm:style>
+  </dgm:styleLbl>
+  <dgm:styleLbl name="bgAcc1">
+    <dgm:scene3d>
+      <a:camera prst="orthographicFront"/>
+      <a:lightRig rig="threePt" dir="t"/>
+    </dgm:scene3d>
+    <dgm:sp3d/>
+    <dgm:txPr/>
+    <dgm:style>
+      <a:lnRef idx="2">
+        <a:scrgbClr r="0" g="0" b="0"/>
+      </a:lnRef>
+      <a:fillRef idx="1">
+        <a:scrgbClr r="0" g="0" b="0"/>
+      </a:fillRef>
+      <a:effectRef idx="0">
+        <a:scrgbClr r="0" g="0" b="0"/>
+      </a:effectRef>
+      <a:fontRef idx="minor"/>
+    </dgm:style>
+  </dgm:styleLbl>
+  <dgm:styleLbl name="solidFgAcc1">
+    <dgm:scene3d>
+      <a:camera prst="orthographicFront"/>
+      <a:lightRig rig="threePt" dir="t"/>
+    </dgm:scene3d>
+    <dgm:sp3d/>
+    <dgm:txPr/>
+    <dgm:style>
+      <a:lnRef idx="2">
+        <a:scrgbClr r="0" g="0" b="0"/>
+      </a:lnRef>
+      <a:fillRef idx="1">
+        <a:scrgbClr r="0" g="0" b="0"/>
+      </a:fillRef>
+      <a:effectRef idx="0">
+        <a:scrgbClr r="0" g="0" b="0"/>
+      </a:effectRef>
+      <a:fontRef idx="minor"/>
+    </dgm:style>
+  </dgm:styleLbl>
+  <dgm:styleLbl name="solidAlignAcc1">
+    <dgm:scene3d>
+      <a:camera prst="orthographicFront"/>
+      <a:lightRig rig="threePt" dir="t"/>
+    </dgm:scene3d>
+    <dgm:sp3d/>
+    <dgm:txPr/>
+    <dgm:style>
+      <a:lnRef idx="2">
+        <a:scrgbClr r="0" g="0" b="0"/>
+      </a:lnRef>
+      <a:fillRef idx="1">
+        <a:scrgbClr r="0" g="0" b="0"/>
+      </a:fillRef>
+      <a:effectRef idx="0">
+        <a:scrgbClr r="0" g="0" b="0"/>
+      </a:effectRef>
+      <a:fontRef idx="minor"/>
+    </dgm:style>
+  </dgm:styleLbl>
+  <dgm:styleLbl name="solidBgAcc1">
+    <dgm:scene3d>
+      <a:camera prst="orthographicFront"/>
+      <a:lightRig rig="threePt" dir="t"/>
+    </dgm:scene3d>
+    <dgm:sp3d/>
+    <dgm:txPr/>
+    <dgm:style>
+      <a:lnRef idx="2">
+        <a:scrgbClr r="0" g="0" b="0"/>
+      </a:lnRef>
+      <a:fillRef idx="1">
+        <a:scrgbClr r="0" g="0" b="0"/>
+      </a:fillRef>
+      <a:effectRef idx="0">
+        <a:scrgbClr r="0" g="0" b="0"/>
+      </a:effectRef>
+      <a:fontRef idx="minor"/>
+    </dgm:style>
+  </dgm:styleLbl>
+  <dgm:styleLbl name="fgAccFollowNode1">
+    <dgm:scene3d>
+      <a:camera prst="orthographicFront"/>
+      <a:lightRig rig="threePt" dir="t"/>
+    </dgm:scene3d>
+    <dgm:sp3d/>
+    <dgm:txPr/>
+    <dgm:style>
+      <a:lnRef idx="2">
+        <a:scrgbClr r="0" g="0" b="0"/>
+      </a:lnRef>
+      <a:fillRef idx="1">
+        <a:scrgbClr r="0" g="0" b="0"/>
+      </a:fillRef>
+      <a:effectRef idx="0">
+        <a:scrgbClr r="0" g="0" b="0"/>
+      </a:effectRef>
+      <a:fontRef idx="minor"/>
+    </dgm:style>
+  </dgm:styleLbl>
+  <dgm:styleLbl name="alignAccFollowNode1">
+    <dgm:scene3d>
+      <a:camera prst="orthographicFront"/>
+      <a:lightRig rig="threePt" dir="t"/>
+    </dgm:scene3d>
+    <dgm:sp3d/>
+    <dgm:txPr/>
+    <dgm:style>
+      <a:lnRef idx="2">
+        <a:scrgbClr r="0" g="0" b="0"/>
+      </a:lnRef>
+      <a:fillRef idx="1">
+        <a:scrgbClr r="0" g="0" b="0"/>
+      </a:fillRef>
+      <a:effectRef idx="0">
+        <a:scrgbClr r="0" g="0" b="0"/>
+      </a:effectRef>
+      <a:fontRef idx="minor"/>
+    </dgm:style>
+  </dgm:styleLbl>
+  <dgm:styleLbl name="bgAccFollowNode1">
+    <dgm:scene3d>
+      <a:camera prst="orthographicFront"/>
+      <a:lightRig rig="threePt" dir="t"/>
+    </dgm:scene3d>
+    <dgm:sp3d/>
+    <dgm:txPr/>
+    <dgm:style>
+      <a:lnRef idx="2">
+        <a:scrgbClr r="0" g="0" b="0"/>
+      </a:lnRef>
+      <a:fillRef idx="1">
+        <a:scrgbClr r="0" g="0" b="0"/>
+      </a:fillRef>
+      <a:effectRef idx="0">
+        <a:scrgbClr r="0" g="0" b="0"/>
+      </a:effectRef>
+      <a:fontRef idx="minor"/>
+    </dgm:style>
+  </dgm:styleLbl>
+  <dgm:styleLbl name="fgAcc0">
+    <dgm:scene3d>
+      <a:camera prst="orthographicFront"/>
+      <a:lightRig rig="threePt" dir="t"/>
+    </dgm:scene3d>
+    <dgm:sp3d/>
+    <dgm:txPr/>
+    <dgm:style>
+      <a:lnRef idx="2">
+        <a:scrgbClr r="0" g="0" b="0"/>
+      </a:lnRef>
+      <a:fillRef idx="1">
+        <a:scrgbClr r="0" g="0" b="0"/>
+      </a:fillRef>
+      <a:effectRef idx="0">
+        <a:scrgbClr r="0" g="0" b="0"/>
+      </a:effectRef>
+      <a:fontRef idx="minor"/>
+    </dgm:style>
+  </dgm:styleLbl>
+  <dgm:styleLbl name="fgAcc2">
+    <dgm:scene3d>
+      <a:camera prst="orthographicFront"/>
+      <a:lightRig rig="threePt" dir="t"/>
+    </dgm:scene3d>
+    <dgm:sp3d/>
+    <dgm:txPr/>
+    <dgm:style>
+      <a:lnRef idx="2">
+        <a:scrgbClr r="0" g="0" b="0"/>
+      </a:lnRef>
+      <a:fillRef idx="1">
+        <a:scrgbClr r="0" g="0" b="0"/>
+      </a:fillRef>
+      <a:effectRef idx="0">
+        <a:scrgbClr r="0" g="0" b="0"/>
+      </a:effectRef>
+      <a:fontRef idx="minor"/>
+    </dgm:style>
+  </dgm:styleLbl>
+  <dgm:styleLbl name="fgAcc3">
+    <dgm:scene3d>
+      <a:camera prst="orthographicFront"/>
+      <a:lightRig rig="threePt" dir="t"/>
+    </dgm:scene3d>
+    <dgm:sp3d/>
+    <dgm:txPr/>
+    <dgm:style>
+      <a:lnRef idx="2">
+        <a:scrgbClr r="0" g="0" b="0"/>
+      </a:lnRef>
+      <a:fillRef idx="1">
+        <a:scrgbClr r="0" g="0" b="0"/>
+      </a:fillRef>
+      <a:effectRef idx="0">
+        <a:scrgbClr r="0" g="0" b="0"/>
+      </a:effectRef>
+      <a:fontRef idx="minor"/>
+    </dgm:style>
+  </dgm:styleLbl>
+  <dgm:styleLbl name="fgAcc4">
+    <dgm:scene3d>
+      <a:camera prst="orthographicFront"/>
+      <a:lightRig rig="threePt" dir="t"/>
+    </dgm:scene3d>
+    <dgm:sp3d/>
+    <dgm:txPr/>
+    <dgm:style>
+      <a:lnRef idx="2">
+        <a:scrgbClr r="0" g="0" b="0"/>
+      </a:lnRef>
+      <a:fillRef idx="1">
+        <a:scrgbClr r="0" g="0" b="0"/>
+      </a:fillRef>
+      <a:effectRef idx="0">
+        <a:scrgbClr r="0" g="0" b="0"/>
+      </a:effectRef>
+      <a:fontRef idx="minor"/>
+    </dgm:style>
+  </dgm:styleLbl>
+  <dgm:styleLbl name="bgShp">
+    <dgm:scene3d>
+      <a:camera prst="orthographicFront"/>
+      <a:lightRig rig="threePt" dir="t"/>
+    </dgm:scene3d>
+    <dgm:sp3d/>
+    <dgm:txPr/>
+    <dgm:style>
+      <a:lnRef idx="0">
+        <a:scrgbClr r="0" g="0" b="0"/>
+      </a:lnRef>
+      <a:fillRef idx="1">
+        <a:scrgbClr r="0" g="0" b="0"/>
+      </a:fillRef>
+      <a:effectRef idx="0">
+        <a:scrgbClr r="0" g="0" b="0"/>
+      </a:effectRef>
+      <a:fontRef idx="minor"/>
+    </dgm:style>
+  </dgm:styleLbl>
+  <dgm:styleLbl name="dkBgShp">
+    <dgm:scene3d>
+      <a:camera prst="orthographicFront"/>
+      <a:lightRig rig="threePt" dir="t"/>
+    </dgm:scene3d>
+    <dgm:sp3d/>
+    <dgm:txPr/>
+    <dgm:style>
+      <a:lnRef idx="0">
+        <a:scrgbClr r="0" g="0" b="0"/>
+      </a:lnRef>
+      <a:fillRef idx="1">
+        <a:scrgbClr r="0" g="0" b="0"/>
+      </a:fillRef>
+      <a:effectRef idx="0">
+        <a:scrgbClr r="0" g="0" b="0"/>
+      </a:effectRef>
+      <a:fontRef idx="minor"/>
+    </dgm:style>
+  </dgm:styleLbl>
+  <dgm:styleLbl name="trBgShp">
+    <dgm:scene3d>
+      <a:camera prst="orthographicFront"/>
+      <a:lightRig rig="threePt" dir="t"/>
+    </dgm:scene3d>
+    <dgm:sp3d/>
+    <dgm:txPr/>
+    <dgm:style>
+      <a:lnRef idx="0">
+        <a:scrgbClr r="0" g="0" b="0"/>
+      </a:lnRef>
+      <a:fillRef idx="1">
+        <a:scrgbClr r="0" g="0" b="0"/>
+      </a:fillRef>
+      <a:effectRef idx="0">
+        <a:scrgbClr r="0" g="0" b="0"/>
+      </a:effectRef>
+      <a:fontRef idx="minor"/>
+    </dgm:style>
+  </dgm:styleLbl>
+  <dgm:styleLbl name="fgShp">
+    <dgm:scene3d>
+      <a:camera prst="orthographicFront"/>
+      <a:lightRig rig="threePt" dir="t"/>
+    </dgm:scene3d>
+    <dgm:sp3d/>
+    <dgm:txPr/>
+    <dgm:style>
+      <a:lnRef idx="2">
+        <a:scrgbClr r="0" g="0" b="0"/>
+      </a:lnRef>
+      <a:fillRef idx="1">
+        <a:scrgbClr r="0" g="0" b="0"/>
+      </a:fillRef>
+      <a:effectRef idx="0">
+        <a:scrgbClr r="0" g="0" b="0"/>
+      </a:effectRef>
+      <a:fontRef idx="minor"/>
+    </dgm:style>
+  </dgm:styleLbl>
+  <dgm:styleLbl name="revTx">
+    <dgm:scene3d>
+      <a:camera prst="orthographicFront"/>
+      <a:lightRig rig="threePt" dir="t"/>
+    </dgm:scene3d>
+    <dgm:sp3d/>
+    <dgm:txPr/>
+    <dgm:style>
+      <a:lnRef idx="0">
+        <a:scrgbClr r="0" g="0" b="0"/>
+      </a:lnRef>
+      <a:fillRef idx="0">
+        <a:scrgbClr r="0" g="0" b="0"/>
+      </a:fillRef>
+      <a:effectRef idx="0">
+        <a:scrgbClr r="0" g="0" b="0"/>
+      </a:effectRef>
+      <a:fontRef idx="minor"/>
+    </dgm:style>
+  </dgm:styleLbl>
+</dgm:styleDef>
+</file>
+
 <file path=ppt/slideLayouts/slideLayout1.xml><?xml version="1.0" encoding="utf-8"?>
 <p:sldLayout xmlns:a="http://schemas.openxmlformats.org/drawingml/2006/main" xmlns:r="http://schemas.openxmlformats.org/officeDocument/2006/relationships" xmlns:p="http://schemas.openxmlformats.org/presentationml/2006/main" type="title" preserve="1">
   <p:cSld name="Title Slide">
@@ -14095,7 +16403,7 @@
           <a:p>
             <a:fld id="{D78D8203-B452-4E27-B1E6-25376FD98C33}" type="datetimeFigureOut">
               <a:rPr lang="en-US" smtClean="0"/>
-              <a:t>3/30/2017</a:t>
+              <a:t>6/2/2017</a:t>
             </a:fld>
             <a:endParaRPr lang="en-US"/>
           </a:p>
@@ -14272,7 +16580,7 @@
           <a:p>
             <a:fld id="{D78D8203-B452-4E27-B1E6-25376FD98C33}" type="datetimeFigureOut">
               <a:rPr lang="en-US" smtClean="0"/>
-              <a:t>3/30/2017</a:t>
+              <a:t>6/2/2017</a:t>
             </a:fld>
             <a:endParaRPr lang="en-US"/>
           </a:p>
@@ -14452,7 +16760,7 @@
           <a:p>
             <a:fld id="{D78D8203-B452-4E27-B1E6-25376FD98C33}" type="datetimeFigureOut">
               <a:rPr lang="en-US" smtClean="0"/>
-              <a:t>3/30/2017</a:t>
+              <a:t>6/2/2017</a:t>
             </a:fld>
             <a:endParaRPr lang="en-US"/>
           </a:p>
@@ -14627,7 +16935,7 @@
           <a:p>
             <a:fld id="{D78D8203-B452-4E27-B1E6-25376FD98C33}" type="datetimeFigureOut">
               <a:rPr lang="en-US" smtClean="0"/>
-              <a:t>3/30/2017</a:t>
+              <a:t>6/2/2017</a:t>
             </a:fld>
             <a:endParaRPr lang="en-US"/>
           </a:p>
@@ -14880,7 +17188,7 @@
           <a:p>
             <a:fld id="{D78D8203-B452-4E27-B1E6-25376FD98C33}" type="datetimeFigureOut">
               <a:rPr lang="en-US" smtClean="0"/>
-              <a:t>3/30/2017</a:t>
+              <a:t>6/2/2017</a:t>
             </a:fld>
             <a:endParaRPr lang="en-US"/>
           </a:p>
@@ -15119,7 +17427,7 @@
           <a:p>
             <a:fld id="{D78D8203-B452-4E27-B1E6-25376FD98C33}" type="datetimeFigureOut">
               <a:rPr lang="en-US" smtClean="0"/>
-              <a:t>3/30/2017</a:t>
+              <a:t>6/2/2017</a:t>
             </a:fld>
             <a:endParaRPr lang="en-US"/>
           </a:p>
@@ -15486,7 +17794,7 @@
           <a:p>
             <a:fld id="{D78D8203-B452-4E27-B1E6-25376FD98C33}" type="datetimeFigureOut">
               <a:rPr lang="en-US" smtClean="0"/>
-              <a:t>3/30/2017</a:t>
+              <a:t>6/2/2017</a:t>
             </a:fld>
             <a:endParaRPr lang="en-US"/>
           </a:p>
@@ -15604,7 +17912,7 @@
           <a:p>
             <a:fld id="{D78D8203-B452-4E27-B1E6-25376FD98C33}" type="datetimeFigureOut">
               <a:rPr lang="en-US" smtClean="0"/>
-              <a:t>3/30/2017</a:t>
+              <a:t>6/2/2017</a:t>
             </a:fld>
             <a:endParaRPr lang="en-US"/>
           </a:p>
@@ -15699,7 +18007,7 @@
           <a:p>
             <a:fld id="{D78D8203-B452-4E27-B1E6-25376FD98C33}" type="datetimeFigureOut">
               <a:rPr lang="en-US" smtClean="0"/>
-              <a:t>3/30/2017</a:t>
+              <a:t>6/2/2017</a:t>
             </a:fld>
             <a:endParaRPr lang="en-US"/>
           </a:p>
@@ -15976,7 +18284,7 @@
           <a:p>
             <a:fld id="{D78D8203-B452-4E27-B1E6-25376FD98C33}" type="datetimeFigureOut">
               <a:rPr lang="en-US" smtClean="0"/>
-              <a:t>3/30/2017</a:t>
+              <a:t>6/2/2017</a:t>
             </a:fld>
             <a:endParaRPr lang="en-US"/>
           </a:p>
@@ -16229,7 +18537,7 @@
           <a:p>
             <a:fld id="{D78D8203-B452-4E27-B1E6-25376FD98C33}" type="datetimeFigureOut">
               <a:rPr lang="en-US" smtClean="0"/>
-              <a:t>3/30/2017</a:t>
+              <a:t>6/2/2017</a:t>
             </a:fld>
             <a:endParaRPr lang="en-US"/>
           </a:p>
@@ -16448,7 +18756,7 @@
           <a:p>
             <a:fld id="{D78D8203-B452-4E27-B1E6-25376FD98C33}" type="datetimeFigureOut">
               <a:rPr lang="en-US" smtClean="0"/>
-              <a:t>3/30/2017</a:t>
+              <a:t>6/2/2017</a:t>
             </a:fld>
             <a:endParaRPr lang="en-US"/>
           </a:p>
@@ -16972,6 +19280,442 @@
     <p:extLst>
       <p:ext uri="{BB962C8B-B14F-4D97-AF65-F5344CB8AC3E}">
         <p14:creationId xmlns:p14="http://schemas.microsoft.com/office/powerpoint/2010/main" val="427952061"/>
+      </p:ext>
+    </p:extLst>
+  </p:cSld>
+  <p:clrMapOvr>
+    <a:masterClrMapping/>
+  </p:clrMapOvr>
+  <p:timing>
+    <p:tnLst>
+      <p:par>
+        <p:cTn id="1" dur="indefinite" restart="never" nodeType="tmRoot"/>
+      </p:par>
+    </p:tnLst>
+  </p:timing>
+</p:sld>
+</file>
+
+<file path=ppt/slides/slide10.xml><?xml version="1.0" encoding="utf-8"?>
+<p:sld xmlns:a="http://schemas.openxmlformats.org/drawingml/2006/main" xmlns:r="http://schemas.openxmlformats.org/officeDocument/2006/relationships" xmlns:p="http://schemas.openxmlformats.org/presentationml/2006/main">
+  <p:cSld>
+    <p:spTree>
+      <p:nvGrpSpPr>
+        <p:cNvPr id="1" name=""/>
+        <p:cNvGrpSpPr/>
+        <p:nvPr/>
+      </p:nvGrpSpPr>
+      <p:grpSpPr>
+        <a:xfrm>
+          <a:off x="0" y="0"/>
+          <a:ext cx="0" cy="0"/>
+          <a:chOff x="0" y="0"/>
+          <a:chExt cx="0" cy="0"/>
+        </a:xfrm>
+      </p:grpSpPr>
+      <p:sp>
+        <p:nvSpPr>
+          <p:cNvPr id="2" name="Title 1"/>
+          <p:cNvSpPr>
+            <a:spLocks noGrp="1"/>
+          </p:cNvSpPr>
+          <p:nvPr>
+            <p:ph type="ctrTitle"/>
+          </p:nvPr>
+        </p:nvSpPr>
+        <p:spPr/>
+        <p:txBody>
+          <a:bodyPr/>
+          <a:lstStyle/>
+          <a:p>
+            <a:r>
+              <a:rPr lang="en-US" dirty="0"/>
+              <a:t>¿</a:t>
+            </a:r>
+            <a:r>
+              <a:rPr lang="en-US" dirty="0" smtClean="0"/>
+              <a:t>Questions?</a:t>
+            </a:r>
+            <a:endParaRPr lang="en-US" dirty="0"/>
+          </a:p>
+        </p:txBody>
+      </p:sp>
+      <p:sp>
+        <p:nvSpPr>
+          <p:cNvPr id="3" name="Subtitle 2"/>
+          <p:cNvSpPr>
+            <a:spLocks noGrp="1"/>
+          </p:cNvSpPr>
+          <p:nvPr>
+            <p:ph type="subTitle" idx="1"/>
+          </p:nvPr>
+        </p:nvSpPr>
+        <p:spPr/>
+        <p:txBody>
+          <a:bodyPr/>
+          <a:lstStyle/>
+          <a:p>
+            <a:endParaRPr lang="en-US"/>
+          </a:p>
+        </p:txBody>
+      </p:sp>
+    </p:spTree>
+    <p:extLst>
+      <p:ext uri="{BB962C8B-B14F-4D97-AF65-F5344CB8AC3E}">
+        <p14:creationId xmlns:p14="http://schemas.microsoft.com/office/powerpoint/2010/main" val="2010176187"/>
+      </p:ext>
+    </p:extLst>
+  </p:cSld>
+  <p:clrMapOvr>
+    <a:masterClrMapping/>
+  </p:clrMapOvr>
+  <p:timing>
+    <p:tnLst>
+      <p:par>
+        <p:cTn id="1" dur="indefinite" restart="never" nodeType="tmRoot"/>
+      </p:par>
+    </p:tnLst>
+  </p:timing>
+</p:sld>
+</file>
+
+<file path=ppt/slides/slide11.xml><?xml version="1.0" encoding="utf-8"?>
+<p:sld xmlns:a="http://schemas.openxmlformats.org/drawingml/2006/main" xmlns:r="http://schemas.openxmlformats.org/officeDocument/2006/relationships" xmlns:p="http://schemas.openxmlformats.org/presentationml/2006/main">
+  <p:cSld>
+    <p:spTree>
+      <p:nvGrpSpPr>
+        <p:cNvPr id="1" name=""/>
+        <p:cNvGrpSpPr/>
+        <p:nvPr/>
+      </p:nvGrpSpPr>
+      <p:grpSpPr>
+        <a:xfrm>
+          <a:off x="0" y="0"/>
+          <a:ext cx="0" cy="0"/>
+          <a:chOff x="0" y="0"/>
+          <a:chExt cx="0" cy="0"/>
+        </a:xfrm>
+      </p:grpSpPr>
+      <p:sp>
+        <p:nvSpPr>
+          <p:cNvPr id="8" name="Title 7"/>
+          <p:cNvSpPr>
+            <a:spLocks noGrp="1"/>
+          </p:cNvSpPr>
+          <p:nvPr>
+            <p:ph type="title"/>
+          </p:nvPr>
+        </p:nvSpPr>
+        <p:spPr/>
+        <p:txBody>
+          <a:bodyPr/>
+          <a:lstStyle/>
+          <a:p>
+            <a:r>
+              <a:rPr lang="en-US" dirty="0" smtClean="0"/>
+              <a:t>Reference</a:t>
+            </a:r>
+            <a:endParaRPr lang="en-US" dirty="0"/>
+          </a:p>
+        </p:txBody>
+      </p:sp>
+      <p:sp>
+        <p:nvSpPr>
+          <p:cNvPr id="9" name="Content Placeholder 8"/>
+          <p:cNvSpPr>
+            <a:spLocks noGrp="1"/>
+          </p:cNvSpPr>
+          <p:nvPr>
+            <p:ph idx="1"/>
+          </p:nvPr>
+        </p:nvSpPr>
+        <p:spPr/>
+        <p:txBody>
+          <a:bodyPr>
+            <a:normAutofit/>
+          </a:bodyPr>
+          <a:lstStyle/>
+          <a:p>
+            <a:pPr marL="0" indent="0">
+              <a:buNone/>
+            </a:pPr>
+            <a:r>
+              <a:rPr lang="en-US" dirty="0">
+                <a:hlinkClick r:id="rId2"/>
+              </a:rPr>
+              <a:t>Azure Resource Manager </a:t>
+            </a:r>
+            <a:r>
+              <a:rPr lang="en-US" dirty="0" smtClean="0">
+                <a:hlinkClick r:id="rId2"/>
+              </a:rPr>
+              <a:t>overview</a:t>
+            </a:r>
+            <a:endParaRPr lang="en-US" dirty="0" smtClean="0"/>
+          </a:p>
+          <a:p>
+            <a:pPr marL="0" indent="0">
+              <a:buNone/>
+            </a:pPr>
+            <a:r>
+              <a:rPr lang="en-US" dirty="0" smtClean="0">
+                <a:hlinkClick r:id="rId3"/>
+              </a:rPr>
+              <a:t>ARM Template functions reference</a:t>
+            </a:r>
+            <a:endParaRPr lang="en-US" dirty="0" smtClean="0"/>
+          </a:p>
+          <a:p>
+            <a:pPr marL="0" indent="0">
+              <a:buNone/>
+            </a:pPr>
+            <a:r>
+              <a:rPr lang="en-US" dirty="0" smtClean="0">
+                <a:hlinkClick r:id="rId4"/>
+              </a:rPr>
+              <a:t>Azure Template Examples GitHub Repo</a:t>
+            </a:r>
+            <a:endParaRPr lang="en-US" dirty="0" smtClean="0"/>
+          </a:p>
+          <a:p>
+            <a:pPr marL="0" indent="0">
+              <a:buNone/>
+            </a:pPr>
+            <a:r>
+              <a:rPr lang="en-US" dirty="0" smtClean="0"/>
+              <a:t>ARM Schemas: </a:t>
+            </a:r>
+            <a:r>
+              <a:rPr lang="en-US" dirty="0" smtClean="0">
+                <a:hlinkClick r:id="rId5"/>
+              </a:rPr>
+              <a:t>bad</a:t>
+            </a:r>
+            <a:r>
+              <a:rPr lang="en-US" dirty="0" smtClean="0"/>
+              <a:t>, </a:t>
+            </a:r>
+            <a:r>
+              <a:rPr lang="en-US" dirty="0" smtClean="0">
+                <a:hlinkClick r:id="rId6"/>
+              </a:rPr>
+              <a:t>interactive</a:t>
+            </a:r>
+            <a:r>
+              <a:rPr lang="en-US" dirty="0" smtClean="0"/>
+              <a:t>, </a:t>
+            </a:r>
+            <a:r>
+              <a:rPr lang="en-US" dirty="0" smtClean="0">
+                <a:hlinkClick r:id="rId7"/>
+              </a:rPr>
+              <a:t>complex</a:t>
+            </a:r>
+            <a:endParaRPr lang="en-US" dirty="0" smtClean="0"/>
+          </a:p>
+          <a:p>
+            <a:pPr marL="0" indent="0">
+              <a:buNone/>
+            </a:pPr>
+            <a:r>
+              <a:rPr lang="en-US" dirty="0">
+                <a:hlinkClick r:id="rId8"/>
+              </a:rPr>
+              <a:t>Best Practice for complex </a:t>
+            </a:r>
+            <a:r>
+              <a:rPr lang="en-US" dirty="0" smtClean="0">
+                <a:hlinkClick r:id="rId8"/>
+              </a:rPr>
+              <a:t>solutions</a:t>
+            </a:r>
+            <a:endParaRPr lang="en-US" dirty="0" smtClean="0"/>
+          </a:p>
+          <a:p>
+            <a:pPr marL="0" indent="0">
+              <a:buNone/>
+            </a:pPr>
+            <a:r>
+              <a:rPr lang="en-US" dirty="0" smtClean="0">
+                <a:hlinkClick r:id="rId9"/>
+              </a:rPr>
+              <a:t>Troubleshooting Deployments</a:t>
+            </a:r>
+            <a:endParaRPr lang="en-US" dirty="0"/>
+          </a:p>
+          <a:p>
+            <a:pPr marL="0" indent="0">
+              <a:buNone/>
+            </a:pPr>
+            <a:endParaRPr lang="en-US" dirty="0" smtClean="0"/>
+          </a:p>
+          <a:p>
+            <a:pPr marL="0" indent="0">
+              <a:buNone/>
+            </a:pPr>
+            <a:endParaRPr lang="en-US" dirty="0"/>
+          </a:p>
+          <a:p>
+            <a:pPr marL="0" indent="0">
+              <a:buNone/>
+            </a:pPr>
+            <a:endParaRPr lang="en-US" dirty="0" smtClean="0"/>
+          </a:p>
+          <a:p>
+            <a:pPr marL="0" indent="0">
+              <a:buNone/>
+            </a:pPr>
+            <a:endParaRPr lang="en-US" dirty="0"/>
+          </a:p>
+        </p:txBody>
+      </p:sp>
+      <p:sp>
+        <p:nvSpPr>
+          <p:cNvPr id="2" name="TextBox 1"/>
+          <p:cNvSpPr txBox="1"/>
+          <p:nvPr/>
+        </p:nvSpPr>
+        <p:spPr>
+          <a:xfrm rot="10800000" flipH="1" flipV="1">
+            <a:off x="7120991" y="1825625"/>
+            <a:ext cx="4519073" cy="2862322"/>
+          </a:xfrm>
+          <a:prstGeom prst="rect">
+            <a:avLst/>
+          </a:prstGeom>
+          <a:noFill/>
+        </p:spPr>
+        <p:txBody>
+          <a:bodyPr wrap="square" rtlCol="0">
+            <a:spAutoFit/>
+          </a:bodyPr>
+          <a:lstStyle/>
+          <a:p>
+            <a:r>
+              <a:rPr lang="en-US" dirty="0">
+                <a:hlinkClick r:id="rId10"/>
+              </a:rPr>
+              <a:t>Azure SDK’s</a:t>
+            </a:r>
+            <a:endParaRPr lang="en-US" dirty="0"/>
+          </a:p>
+          <a:p>
+            <a:r>
+              <a:rPr lang="en-US" dirty="0">
+                <a:hlinkClick r:id="rId11"/>
+              </a:rPr>
+              <a:t>Azure CLI</a:t>
+            </a:r>
+            <a:endParaRPr lang="en-US" dirty="0"/>
+          </a:p>
+          <a:p>
+            <a:r>
+              <a:rPr lang="en-US" dirty="0">
+                <a:hlinkClick r:id="rId12"/>
+              </a:rPr>
+              <a:t>Azure CLI </a:t>
+            </a:r>
+            <a:r>
+              <a:rPr lang="en-US" dirty="0" smtClean="0">
+                <a:hlinkClick r:id="rId12"/>
+              </a:rPr>
+              <a:t>2.0</a:t>
+            </a:r>
+            <a:endParaRPr lang="en-US" dirty="0" smtClean="0"/>
+          </a:p>
+          <a:p>
+            <a:r>
+              <a:rPr lang="en-US" dirty="0" smtClean="0">
+                <a:hlinkClick r:id="rId13"/>
+              </a:rPr>
+              <a:t>ARM Client</a:t>
+            </a:r>
+            <a:endParaRPr lang="en-US" dirty="0"/>
+          </a:p>
+          <a:p>
+            <a:r>
+              <a:rPr lang="en-US" dirty="0">
+                <a:hlinkClick r:id="rId14"/>
+              </a:rPr>
+              <a:t>Azure </a:t>
+            </a:r>
+            <a:r>
+              <a:rPr lang="en-US" dirty="0" err="1" smtClean="0">
+                <a:hlinkClick r:id="rId14"/>
+              </a:rPr>
+              <a:t>Powershell</a:t>
+            </a:r>
+            <a:endParaRPr lang="en-US" dirty="0" smtClean="0"/>
+          </a:p>
+          <a:p>
+            <a:r>
+              <a:rPr lang="en-US" dirty="0">
+                <a:hlinkClick r:id="rId15"/>
+              </a:rPr>
+              <a:t>Azure Preview </a:t>
+            </a:r>
+            <a:r>
+              <a:rPr lang="en-US" dirty="0" smtClean="0">
+                <a:hlinkClick r:id="rId15"/>
+              </a:rPr>
+              <a:t>Portal</a:t>
+            </a:r>
+            <a:endParaRPr lang="en-US" dirty="0" smtClean="0"/>
+          </a:p>
+          <a:p>
+            <a:r>
+              <a:rPr lang="en-US" dirty="0" smtClean="0">
+                <a:hlinkClick r:id="rId16"/>
+              </a:rPr>
+              <a:t>ArmViz.io</a:t>
+            </a:r>
+            <a:endParaRPr lang="en-US" dirty="0" smtClean="0"/>
+          </a:p>
+          <a:p>
+            <a:r>
+              <a:rPr lang="en-US" dirty="0">
+                <a:hlinkClick r:id="rId17"/>
+              </a:rPr>
+              <a:t>Examples used in this </a:t>
+            </a:r>
+            <a:r>
+              <a:rPr lang="en-US" dirty="0" smtClean="0">
+                <a:hlinkClick r:id="rId17"/>
+              </a:rPr>
+              <a:t>Talk</a:t>
+            </a:r>
+            <a:endParaRPr lang="en-US" dirty="0" smtClean="0"/>
+          </a:p>
+          <a:p>
+            <a:r>
+              <a:rPr lang="en-US" dirty="0" err="1" smtClean="0">
+                <a:hlinkClick r:id="rId18"/>
+              </a:rPr>
+              <a:t>Powershell</a:t>
+            </a:r>
+            <a:r>
+              <a:rPr lang="en-US" dirty="0" smtClean="0">
+                <a:hlinkClick r:id="rId18"/>
+              </a:rPr>
+              <a:t> Put Example</a:t>
+            </a:r>
+            <a:endParaRPr lang="en-US" dirty="0" smtClean="0"/>
+          </a:p>
+          <a:p>
+            <a:r>
+              <a:rPr lang="en-US" dirty="0" smtClean="0">
+                <a:hlinkClick r:id="rId19"/>
+              </a:rPr>
+              <a:t>Azure One Liners</a:t>
+            </a:r>
+            <a:endParaRPr lang="en-US" dirty="0" smtClean="0"/>
+          </a:p>
+        </p:txBody>
+      </p:sp>
+    </p:spTree>
+    <p:extLst>
+      <p:ext uri="{BB962C8B-B14F-4D97-AF65-F5344CB8AC3E}">
+        <p14:creationId xmlns:p14="http://schemas.microsoft.com/office/powerpoint/2010/main" val="2960004976"/>
       </p:ext>
     </p:extLst>
   </p:cSld>
@@ -17732,7 +20476,7 @@
             <a:pPr algn="ctr"/>
             <a:r>
               <a:rPr lang="en-US" dirty="0" smtClean="0"/>
-              <a:t>Complete</a:t>
+              <a:t>Complete\Incremental</a:t>
             </a:r>
             <a:endParaRPr lang="en-US" dirty="0"/>
           </a:p>
@@ -17776,7 +20520,7 @@
             <a:pPr algn="ctr"/>
             <a:r>
               <a:rPr lang="en-US" dirty="0" smtClean="0"/>
-              <a:t>Incremental</a:t>
+              <a:t>Schema</a:t>
             </a:r>
             <a:endParaRPr lang="en-US" dirty="0"/>
           </a:p>
@@ -18050,6 +20794,72 @@
           <a:chExt cx="0" cy="0"/>
         </a:xfrm>
       </p:grpSpPr>
+      <p:pic>
+        <p:nvPicPr>
+          <p:cNvPr id="8" name="Content Placeholder 7"/>
+          <p:cNvPicPr>
+            <a:picLocks noGrp="1" noChangeAspect="1"/>
+          </p:cNvPicPr>
+          <p:nvPr>
+            <p:ph idx="1"/>
+          </p:nvPr>
+        </p:nvPicPr>
+        <p:blipFill>
+          <a:blip r:embed="rId2">
+            <a:extLst>
+              <a:ext uri="{28A0092B-C50C-407E-A947-70E740481C1C}">
+                <a14:useLocalDpi xmlns:a14="http://schemas.microsoft.com/office/drawing/2010/main" val="0"/>
+              </a:ext>
+            </a:extLst>
+          </a:blip>
+          <a:stretch>
+            <a:fillRect/>
+          </a:stretch>
+        </p:blipFill>
+        <p:spPr>
+          <a:xfrm>
+            <a:off x="914400" y="0"/>
+            <a:ext cx="10424160" cy="6860443"/>
+          </a:xfrm>
+        </p:spPr>
+      </p:pic>
+    </p:spTree>
+    <p:extLst>
+      <p:ext uri="{BB962C8B-B14F-4D97-AF65-F5344CB8AC3E}">
+        <p14:creationId xmlns:p14="http://schemas.microsoft.com/office/powerpoint/2010/main" val="2462991679"/>
+      </p:ext>
+    </p:extLst>
+  </p:cSld>
+  <p:clrMapOvr>
+    <a:masterClrMapping/>
+  </p:clrMapOvr>
+  <p:timing>
+    <p:tnLst>
+      <p:par>
+        <p:cTn id="1" dur="indefinite" restart="never" nodeType="tmRoot"/>
+      </p:par>
+    </p:tnLst>
+  </p:timing>
+</p:sld>
+</file>
+
+<file path=ppt/slides/slide6.xml><?xml version="1.0" encoding="utf-8"?>
+<p:sld xmlns:a="http://schemas.openxmlformats.org/drawingml/2006/main" xmlns:r="http://schemas.openxmlformats.org/officeDocument/2006/relationships" xmlns:p="http://schemas.openxmlformats.org/presentationml/2006/main">
+  <p:cSld>
+    <p:spTree>
+      <p:nvGrpSpPr>
+        <p:cNvPr id="1" name=""/>
+        <p:cNvGrpSpPr/>
+        <p:nvPr/>
+      </p:nvGrpSpPr>
+      <p:grpSpPr>
+        <a:xfrm>
+          <a:off x="0" y="0"/>
+          <a:ext cx="0" cy="0"/>
+          <a:chOff x="0" y="0"/>
+          <a:chExt cx="0" cy="0"/>
+        </a:xfrm>
+      </p:grpSpPr>
       <p:sp>
         <p:nvSpPr>
           <p:cNvPr id="2" name="Title 1"/>
@@ -18111,7 +20921,7 @@
           <p:nvPr>
             <p:extLst>
               <p:ext uri="{D42A27DB-BD31-4B8C-83A1-F6EECF244321}">
-                <p14:modId xmlns:p14="http://schemas.microsoft.com/office/powerpoint/2010/main" val="2060989947"/>
+                <p14:modId xmlns:p14="http://schemas.microsoft.com/office/powerpoint/2010/main" val="575905935"/>
               </p:ext>
             </p:extLst>
           </p:nvPr>
@@ -18468,7 +21278,349 @@
 </p:sld>
 </file>
 
-<file path=ppt/slides/slide6.xml><?xml version="1.0" encoding="utf-8"?>
+<file path=ppt/slides/slide7.xml><?xml version="1.0" encoding="utf-8"?>
+<p:sld xmlns:a="http://schemas.openxmlformats.org/drawingml/2006/main" xmlns:r="http://schemas.openxmlformats.org/officeDocument/2006/relationships" xmlns:p="http://schemas.openxmlformats.org/presentationml/2006/main">
+  <p:cSld>
+    <p:spTree>
+      <p:nvGrpSpPr>
+        <p:cNvPr id="1" name=""/>
+        <p:cNvGrpSpPr/>
+        <p:nvPr/>
+      </p:nvGrpSpPr>
+      <p:grpSpPr>
+        <a:xfrm>
+          <a:off x="0" y="0"/>
+          <a:ext cx="0" cy="0"/>
+          <a:chOff x="0" y="0"/>
+          <a:chExt cx="0" cy="0"/>
+        </a:xfrm>
+      </p:grpSpPr>
+      <p:sp>
+        <p:nvSpPr>
+          <p:cNvPr id="2" name="Title 1"/>
+          <p:cNvSpPr>
+            <a:spLocks noGrp="1"/>
+          </p:cNvSpPr>
+          <p:nvPr>
+            <p:ph type="title"/>
+          </p:nvPr>
+        </p:nvSpPr>
+        <p:spPr/>
+        <p:txBody>
+          <a:bodyPr/>
+          <a:lstStyle/>
+          <a:p>
+            <a:pPr algn="ctr"/>
+            <a:r>
+              <a:rPr lang="en-US" dirty="0" smtClean="0"/>
+              <a:t>Good to know tools</a:t>
+            </a:r>
+            <a:endParaRPr lang="en-US" dirty="0"/>
+          </a:p>
+        </p:txBody>
+      </p:sp>
+      <p:graphicFrame>
+        <p:nvGraphicFramePr>
+          <p:cNvPr id="4" name="Content Placeholder 3"/>
+          <p:cNvGraphicFramePr>
+            <a:graphicFrameLocks noGrp="1"/>
+          </p:cNvGraphicFramePr>
+          <p:nvPr>
+            <p:ph idx="1"/>
+            <p:extLst>
+              <p:ext uri="{D42A27DB-BD31-4B8C-83A1-F6EECF244321}">
+                <p14:modId xmlns:p14="http://schemas.microsoft.com/office/powerpoint/2010/main" val="4249062806"/>
+              </p:ext>
+            </p:extLst>
+          </p:nvPr>
+        </p:nvGraphicFramePr>
+        <p:xfrm>
+          <a:off x="838200" y="1825625"/>
+          <a:ext cx="10515600" cy="4351338"/>
+        </p:xfrm>
+        <a:graphic>
+          <a:graphicData uri="http://schemas.openxmlformats.org/drawingml/2006/diagram">
+            <dgm:relIds xmlns:dgm="http://schemas.openxmlformats.org/drawingml/2006/diagram" xmlns:r="http://schemas.openxmlformats.org/officeDocument/2006/relationships" r:dm="rId2" r:lo="rId3" r:qs="rId4" r:cs="rId5"/>
+          </a:graphicData>
+        </a:graphic>
+      </p:graphicFrame>
+    </p:spTree>
+    <p:extLst>
+      <p:ext uri="{BB962C8B-B14F-4D97-AF65-F5344CB8AC3E}">
+        <p14:creationId xmlns:p14="http://schemas.microsoft.com/office/powerpoint/2010/main" val="360360307"/>
+      </p:ext>
+    </p:extLst>
+  </p:cSld>
+  <p:clrMapOvr>
+    <a:masterClrMapping/>
+  </p:clrMapOvr>
+  <p:timing>
+    <p:tnLst>
+      <p:par>
+        <p:cTn id="1" dur="indefinite" restart="never" nodeType="tmRoot">
+          <p:childTnLst>
+            <p:seq concurrent="1" nextAc="seek">
+              <p:cTn id="2" dur="indefinite" nodeType="mainSeq">
+                <p:childTnLst>
+                  <p:par>
+                    <p:cTn id="3" fill="hold">
+                      <p:stCondLst>
+                        <p:cond delay="indefinite"/>
+                      </p:stCondLst>
+                      <p:childTnLst>
+                        <p:par>
+                          <p:cTn id="4" fill="hold">
+                            <p:stCondLst>
+                              <p:cond delay="0"/>
+                            </p:stCondLst>
+                            <p:childTnLst>
+                              <p:par>
+                                <p:cTn id="5" presetID="10" presetClass="entr" presetSubtype="0" fill="hold" grpId="0" nodeType="clickEffect">
+                                  <p:stCondLst>
+                                    <p:cond delay="0"/>
+                                  </p:stCondLst>
+                                  <p:childTnLst>
+                                    <p:set>
+                                      <p:cBhvr>
+                                        <p:cTn id="6" dur="1" fill="hold">
+                                          <p:stCondLst>
+                                            <p:cond delay="0"/>
+                                          </p:stCondLst>
+                                        </p:cTn>
+                                        <p:tgtEl>
+                                          <p:spTgt spid="4">
+                                            <p:graphicEl>
+                                              <a:dgm id="{3830D593-5770-4B7A-9570-319B372F5240}"/>
+                                            </p:graphicEl>
+                                          </p:spTgt>
+                                        </p:tgtEl>
+                                        <p:attrNameLst>
+                                          <p:attrName>style.visibility</p:attrName>
+                                        </p:attrNameLst>
+                                      </p:cBhvr>
+                                      <p:to>
+                                        <p:strVal val="visible"/>
+                                      </p:to>
+                                    </p:set>
+                                    <p:animEffect transition="in" filter="fade">
+                                      <p:cBhvr>
+                                        <p:cTn id="7" dur="1000"/>
+                                        <p:tgtEl>
+                                          <p:spTgt spid="4">
+                                            <p:graphicEl>
+                                              <a:dgm id="{3830D593-5770-4B7A-9570-319B372F5240}"/>
+                                            </p:graphicEl>
+                                          </p:spTgt>
+                                        </p:tgtEl>
+                                      </p:cBhvr>
+                                    </p:animEffect>
+                                  </p:childTnLst>
+                                </p:cTn>
+                              </p:par>
+                            </p:childTnLst>
+                          </p:cTn>
+                        </p:par>
+                      </p:childTnLst>
+                    </p:cTn>
+                  </p:par>
+                  <p:par>
+                    <p:cTn id="8" fill="hold">
+                      <p:stCondLst>
+                        <p:cond delay="indefinite"/>
+                      </p:stCondLst>
+                      <p:childTnLst>
+                        <p:par>
+                          <p:cTn id="9" fill="hold">
+                            <p:stCondLst>
+                              <p:cond delay="0"/>
+                            </p:stCondLst>
+                            <p:childTnLst>
+                              <p:par>
+                                <p:cTn id="10" presetID="10" presetClass="entr" presetSubtype="0" fill="hold" grpId="0" nodeType="clickEffect">
+                                  <p:stCondLst>
+                                    <p:cond delay="0"/>
+                                  </p:stCondLst>
+                                  <p:childTnLst>
+                                    <p:set>
+                                      <p:cBhvr>
+                                        <p:cTn id="11" dur="1" fill="hold">
+                                          <p:stCondLst>
+                                            <p:cond delay="0"/>
+                                          </p:stCondLst>
+                                        </p:cTn>
+                                        <p:tgtEl>
+                                          <p:spTgt spid="4">
+                                            <p:graphicEl>
+                                              <a:dgm id="{D00D7559-E4D1-464D-AF94-11EA90CDF18D}"/>
+                                            </p:graphicEl>
+                                          </p:spTgt>
+                                        </p:tgtEl>
+                                        <p:attrNameLst>
+                                          <p:attrName>style.visibility</p:attrName>
+                                        </p:attrNameLst>
+                                      </p:cBhvr>
+                                      <p:to>
+                                        <p:strVal val="visible"/>
+                                      </p:to>
+                                    </p:set>
+                                    <p:animEffect transition="in" filter="fade">
+                                      <p:cBhvr>
+                                        <p:cTn id="12" dur="1000"/>
+                                        <p:tgtEl>
+                                          <p:spTgt spid="4">
+                                            <p:graphicEl>
+                                              <a:dgm id="{D00D7559-E4D1-464D-AF94-11EA90CDF18D}"/>
+                                            </p:graphicEl>
+                                          </p:spTgt>
+                                        </p:tgtEl>
+                                      </p:cBhvr>
+                                    </p:animEffect>
+                                  </p:childTnLst>
+                                </p:cTn>
+                              </p:par>
+                            </p:childTnLst>
+                          </p:cTn>
+                        </p:par>
+                      </p:childTnLst>
+                    </p:cTn>
+                  </p:par>
+                </p:childTnLst>
+              </p:cTn>
+              <p:prevCondLst>
+                <p:cond evt="onPrev" delay="0">
+                  <p:tgtEl>
+                    <p:sldTgt/>
+                  </p:tgtEl>
+                </p:cond>
+              </p:prevCondLst>
+              <p:nextCondLst>
+                <p:cond evt="onNext" delay="0">
+                  <p:tgtEl>
+                    <p:sldTgt/>
+                  </p:tgtEl>
+                </p:cond>
+              </p:nextCondLst>
+            </p:seq>
+          </p:childTnLst>
+        </p:cTn>
+      </p:par>
+    </p:tnLst>
+    <p:bldLst>
+      <p:bldGraphic spid="4" grpId="0" uiExpand="1">
+        <p:bldSub>
+          <a:bldDgm bld="one"/>
+        </p:bldSub>
+      </p:bldGraphic>
+    </p:bldLst>
+  </p:timing>
+</p:sld>
+</file>
+
+<file path=ppt/slides/slide8.xml><?xml version="1.0" encoding="utf-8"?>
+<p:sld xmlns:a="http://schemas.openxmlformats.org/drawingml/2006/main" xmlns:r="http://schemas.openxmlformats.org/officeDocument/2006/relationships" xmlns:p="http://schemas.openxmlformats.org/presentationml/2006/main">
+  <p:cSld>
+    <p:spTree>
+      <p:nvGrpSpPr>
+        <p:cNvPr id="1" name=""/>
+        <p:cNvGrpSpPr/>
+        <p:nvPr/>
+      </p:nvGrpSpPr>
+      <p:grpSpPr>
+        <a:xfrm>
+          <a:off x="0" y="0"/>
+          <a:ext cx="0" cy="0"/>
+          <a:chOff x="0" y="0"/>
+          <a:chExt cx="0" cy="0"/>
+        </a:xfrm>
+      </p:grpSpPr>
+      <p:sp>
+        <p:nvSpPr>
+          <p:cNvPr id="2" name="Title 1"/>
+          <p:cNvSpPr>
+            <a:spLocks noGrp="1"/>
+          </p:cNvSpPr>
+          <p:nvPr>
+            <p:ph type="title"/>
+          </p:nvPr>
+        </p:nvSpPr>
+        <p:spPr/>
+        <p:txBody>
+          <a:bodyPr/>
+          <a:lstStyle/>
+          <a:p>
+            <a:pPr algn="ctr"/>
+            <a:r>
+              <a:rPr lang="en-US" dirty="0" smtClean="0"/>
+              <a:t>Your ARM Template workflow</a:t>
+            </a:r>
+            <a:endParaRPr lang="en-US" dirty="0"/>
+          </a:p>
+        </p:txBody>
+      </p:sp>
+      <p:sp>
+        <p:nvSpPr>
+          <p:cNvPr id="3" name="Content Placeholder 2"/>
+          <p:cNvSpPr>
+            <a:spLocks noGrp="1"/>
+          </p:cNvSpPr>
+          <p:nvPr>
+            <p:ph idx="1"/>
+          </p:nvPr>
+        </p:nvSpPr>
+        <p:spPr/>
+        <p:txBody>
+          <a:bodyPr/>
+          <a:lstStyle/>
+          <a:p>
+            <a:endParaRPr lang="en-US"/>
+          </a:p>
+        </p:txBody>
+      </p:sp>
+      <p:pic>
+        <p:nvPicPr>
+          <p:cNvPr id="7" name="Picture 6"/>
+          <p:cNvPicPr>
+            <a:picLocks noChangeAspect="1"/>
+          </p:cNvPicPr>
+          <p:nvPr/>
+        </p:nvPicPr>
+        <p:blipFill>
+          <a:blip r:embed="rId2"/>
+          <a:stretch>
+            <a:fillRect/>
+          </a:stretch>
+        </p:blipFill>
+        <p:spPr>
+          <a:xfrm>
+            <a:off x="67221" y="1483360"/>
+            <a:ext cx="12057558" cy="5262880"/>
+          </a:xfrm>
+          <a:prstGeom prst="rect">
+            <a:avLst/>
+          </a:prstGeom>
+        </p:spPr>
+      </p:pic>
+    </p:spTree>
+    <p:extLst>
+      <p:ext uri="{BB962C8B-B14F-4D97-AF65-F5344CB8AC3E}">
+        <p14:creationId xmlns:p14="http://schemas.microsoft.com/office/powerpoint/2010/main" val="3013668345"/>
+      </p:ext>
+    </p:extLst>
+  </p:cSld>
+  <p:clrMapOvr>
+    <a:masterClrMapping/>
+  </p:clrMapOvr>
+  <p:timing>
+    <p:tnLst>
+      <p:par>
+        <p:cTn id="1" dur="indefinite" restart="never" nodeType="tmRoot"/>
+      </p:par>
+    </p:tnLst>
+  </p:timing>
+</p:sld>
+</file>
+
+<file path=ppt/slides/slide9.xml><?xml version="1.0" encoding="utf-8"?>
 <p:sld xmlns:a="http://schemas.openxmlformats.org/drawingml/2006/main" xmlns:r="http://schemas.openxmlformats.org/officeDocument/2006/relationships" xmlns:p="http://schemas.openxmlformats.org/presentationml/2006/main">
   <p:cSld>
     <p:spTree>
@@ -18756,446 +21908,6 @@
 </p:sld>
 </file>
 
-<file path=ppt/slides/slide7.xml><?xml version="1.0" encoding="utf-8"?>
-<p:sld xmlns:a="http://schemas.openxmlformats.org/drawingml/2006/main" xmlns:r="http://schemas.openxmlformats.org/officeDocument/2006/relationships" xmlns:p="http://schemas.openxmlformats.org/presentationml/2006/main">
-  <p:cSld>
-    <p:spTree>
-      <p:nvGrpSpPr>
-        <p:cNvPr id="1" name=""/>
-        <p:cNvGrpSpPr/>
-        <p:nvPr/>
-      </p:nvGrpSpPr>
-      <p:grpSpPr>
-        <a:xfrm>
-          <a:off x="0" y="0"/>
-          <a:ext cx="0" cy="0"/>
-          <a:chOff x="0" y="0"/>
-          <a:chExt cx="0" cy="0"/>
-        </a:xfrm>
-      </p:grpSpPr>
-      <p:sp>
-        <p:nvSpPr>
-          <p:cNvPr id="2" name="Title 1"/>
-          <p:cNvSpPr>
-            <a:spLocks noGrp="1"/>
-          </p:cNvSpPr>
-          <p:nvPr>
-            <p:ph type="ctrTitle"/>
-          </p:nvPr>
-        </p:nvSpPr>
-        <p:spPr/>
-        <p:txBody>
-          <a:bodyPr/>
-          <a:lstStyle/>
-          <a:p>
-            <a:r>
-              <a:rPr lang="en-US" dirty="0"/>
-              <a:t>¿</a:t>
-            </a:r>
-            <a:r>
-              <a:rPr lang="en-US" dirty="0" err="1"/>
-              <a:t>Queshunz</a:t>
-            </a:r>
-            <a:r>
-              <a:rPr lang="en-US" dirty="0" smtClean="0"/>
-              <a:t>?</a:t>
-            </a:r>
-            <a:endParaRPr lang="en-US" dirty="0"/>
-          </a:p>
-        </p:txBody>
-      </p:sp>
-      <p:sp>
-        <p:nvSpPr>
-          <p:cNvPr id="3" name="Subtitle 2"/>
-          <p:cNvSpPr>
-            <a:spLocks noGrp="1"/>
-          </p:cNvSpPr>
-          <p:nvPr>
-            <p:ph type="subTitle" idx="1"/>
-          </p:nvPr>
-        </p:nvSpPr>
-        <p:spPr/>
-        <p:txBody>
-          <a:bodyPr/>
-          <a:lstStyle/>
-          <a:p>
-            <a:endParaRPr lang="en-US"/>
-          </a:p>
-        </p:txBody>
-      </p:sp>
-    </p:spTree>
-    <p:extLst>
-      <p:ext uri="{BB962C8B-B14F-4D97-AF65-F5344CB8AC3E}">
-        <p14:creationId xmlns:p14="http://schemas.microsoft.com/office/powerpoint/2010/main" val="2010176187"/>
-      </p:ext>
-    </p:extLst>
-  </p:cSld>
-  <p:clrMapOvr>
-    <a:masterClrMapping/>
-  </p:clrMapOvr>
-  <p:timing>
-    <p:tnLst>
-      <p:par>
-        <p:cTn id="1" dur="indefinite" restart="never" nodeType="tmRoot"/>
-      </p:par>
-    </p:tnLst>
-  </p:timing>
-</p:sld>
-</file>
-
-<file path=ppt/slides/slide8.xml><?xml version="1.0" encoding="utf-8"?>
-<p:sld xmlns:a="http://schemas.openxmlformats.org/drawingml/2006/main" xmlns:r="http://schemas.openxmlformats.org/officeDocument/2006/relationships" xmlns:p="http://schemas.openxmlformats.org/presentationml/2006/main">
-  <p:cSld>
-    <p:spTree>
-      <p:nvGrpSpPr>
-        <p:cNvPr id="1" name=""/>
-        <p:cNvGrpSpPr/>
-        <p:nvPr/>
-      </p:nvGrpSpPr>
-      <p:grpSpPr>
-        <a:xfrm>
-          <a:off x="0" y="0"/>
-          <a:ext cx="0" cy="0"/>
-          <a:chOff x="0" y="0"/>
-          <a:chExt cx="0" cy="0"/>
-        </a:xfrm>
-      </p:grpSpPr>
-      <p:sp>
-        <p:nvSpPr>
-          <p:cNvPr id="8" name="Title 7"/>
-          <p:cNvSpPr>
-            <a:spLocks noGrp="1"/>
-          </p:cNvSpPr>
-          <p:nvPr>
-            <p:ph type="title"/>
-          </p:nvPr>
-        </p:nvSpPr>
-        <p:spPr/>
-        <p:txBody>
-          <a:bodyPr/>
-          <a:lstStyle/>
-          <a:p>
-            <a:r>
-              <a:rPr lang="en-US" dirty="0" smtClean="0"/>
-              <a:t>Reference</a:t>
-            </a:r>
-            <a:endParaRPr lang="en-US" dirty="0"/>
-          </a:p>
-        </p:txBody>
-      </p:sp>
-      <p:sp>
-        <p:nvSpPr>
-          <p:cNvPr id="9" name="Content Placeholder 8"/>
-          <p:cNvSpPr>
-            <a:spLocks noGrp="1"/>
-          </p:cNvSpPr>
-          <p:nvPr>
-            <p:ph idx="1"/>
-          </p:nvPr>
-        </p:nvSpPr>
-        <p:spPr/>
-        <p:txBody>
-          <a:bodyPr>
-            <a:normAutofit/>
-          </a:bodyPr>
-          <a:lstStyle/>
-          <a:p>
-            <a:pPr marL="0" indent="0">
-              <a:buNone/>
-            </a:pPr>
-            <a:r>
-              <a:rPr lang="en-US" dirty="0">
-                <a:hlinkClick r:id="rId2"/>
-              </a:rPr>
-              <a:t>Azure Resource Manager </a:t>
-            </a:r>
-            <a:r>
-              <a:rPr lang="en-US" dirty="0" smtClean="0">
-                <a:hlinkClick r:id="rId2"/>
-              </a:rPr>
-              <a:t>overview</a:t>
-            </a:r>
-            <a:endParaRPr lang="en-US" dirty="0" smtClean="0"/>
-          </a:p>
-          <a:p>
-            <a:pPr marL="0" indent="0">
-              <a:buNone/>
-            </a:pPr>
-            <a:r>
-              <a:rPr lang="en-US" dirty="0" smtClean="0">
-                <a:hlinkClick r:id="rId3"/>
-              </a:rPr>
-              <a:t>ARM Template functions reference</a:t>
-            </a:r>
-            <a:endParaRPr lang="en-US" dirty="0" smtClean="0"/>
-          </a:p>
-          <a:p>
-            <a:pPr marL="0" indent="0">
-              <a:buNone/>
-            </a:pPr>
-            <a:r>
-              <a:rPr lang="en-US" dirty="0" smtClean="0">
-                <a:hlinkClick r:id="rId4"/>
-              </a:rPr>
-              <a:t>Azure Template Examples GitHub Repo</a:t>
-            </a:r>
-            <a:endParaRPr lang="en-US" dirty="0" smtClean="0"/>
-          </a:p>
-          <a:p>
-            <a:pPr marL="0" indent="0">
-              <a:buNone/>
-            </a:pPr>
-            <a:r>
-              <a:rPr lang="en-US" dirty="0" smtClean="0"/>
-              <a:t>ARM Schemas: </a:t>
-            </a:r>
-            <a:r>
-              <a:rPr lang="en-US" dirty="0" smtClean="0">
-                <a:hlinkClick r:id="rId5"/>
-              </a:rPr>
-              <a:t>bad</a:t>
-            </a:r>
-            <a:r>
-              <a:rPr lang="en-US" dirty="0" smtClean="0"/>
-              <a:t>, </a:t>
-            </a:r>
-            <a:r>
-              <a:rPr lang="en-US" dirty="0" smtClean="0">
-                <a:hlinkClick r:id="rId6"/>
-              </a:rPr>
-              <a:t>interactive</a:t>
-            </a:r>
-            <a:r>
-              <a:rPr lang="en-US" dirty="0" smtClean="0"/>
-              <a:t>, </a:t>
-            </a:r>
-            <a:r>
-              <a:rPr lang="en-US" dirty="0" smtClean="0">
-                <a:hlinkClick r:id="rId7"/>
-              </a:rPr>
-              <a:t>complex</a:t>
-            </a:r>
-            <a:endParaRPr lang="en-US" dirty="0" smtClean="0"/>
-          </a:p>
-          <a:p>
-            <a:pPr marL="0" indent="0">
-              <a:buNone/>
-            </a:pPr>
-            <a:r>
-              <a:rPr lang="en-US" dirty="0">
-                <a:hlinkClick r:id="rId8"/>
-              </a:rPr>
-              <a:t>Best Practice for complex </a:t>
-            </a:r>
-            <a:r>
-              <a:rPr lang="en-US" dirty="0" smtClean="0">
-                <a:hlinkClick r:id="rId8"/>
-              </a:rPr>
-              <a:t>solutions</a:t>
-            </a:r>
-            <a:endParaRPr lang="en-US" dirty="0" smtClean="0"/>
-          </a:p>
-          <a:p>
-            <a:pPr marL="0" indent="0">
-              <a:buNone/>
-            </a:pPr>
-            <a:r>
-              <a:rPr lang="en-US" dirty="0" smtClean="0">
-                <a:hlinkClick r:id="rId9"/>
-              </a:rPr>
-              <a:t>Troubleshooting Deployments</a:t>
-            </a:r>
-            <a:endParaRPr lang="en-US" dirty="0"/>
-          </a:p>
-          <a:p>
-            <a:pPr marL="0" indent="0">
-              <a:buNone/>
-            </a:pPr>
-            <a:endParaRPr lang="en-US" dirty="0" smtClean="0"/>
-          </a:p>
-          <a:p>
-            <a:pPr marL="0" indent="0">
-              <a:buNone/>
-            </a:pPr>
-            <a:endParaRPr lang="en-US" dirty="0"/>
-          </a:p>
-          <a:p>
-            <a:pPr marL="0" indent="0">
-              <a:buNone/>
-            </a:pPr>
-            <a:endParaRPr lang="en-US" dirty="0" smtClean="0"/>
-          </a:p>
-          <a:p>
-            <a:pPr marL="0" indent="0">
-              <a:buNone/>
-            </a:pPr>
-            <a:endParaRPr lang="en-US" dirty="0"/>
-          </a:p>
-        </p:txBody>
-      </p:sp>
-      <p:sp>
-        <p:nvSpPr>
-          <p:cNvPr id="2" name="TextBox 1"/>
-          <p:cNvSpPr txBox="1"/>
-          <p:nvPr/>
-        </p:nvSpPr>
-        <p:spPr>
-          <a:xfrm rot="10800000" flipH="1" flipV="1">
-            <a:off x="7120991" y="1825625"/>
-            <a:ext cx="4519073" cy="2862322"/>
-          </a:xfrm>
-          <a:prstGeom prst="rect">
-            <a:avLst/>
-          </a:prstGeom>
-          <a:noFill/>
-        </p:spPr>
-        <p:txBody>
-          <a:bodyPr wrap="square" rtlCol="0">
-            <a:spAutoFit/>
-          </a:bodyPr>
-          <a:lstStyle/>
-          <a:p>
-            <a:r>
-              <a:rPr lang="en-US" dirty="0">
-                <a:hlinkClick r:id="rId10"/>
-              </a:rPr>
-              <a:t>Azure SDK’s</a:t>
-            </a:r>
-            <a:endParaRPr lang="en-US" dirty="0"/>
-          </a:p>
-          <a:p>
-            <a:r>
-              <a:rPr lang="en-US" dirty="0">
-                <a:hlinkClick r:id="rId11"/>
-              </a:rPr>
-              <a:t>Azure CLI</a:t>
-            </a:r>
-            <a:endParaRPr lang="en-US" dirty="0"/>
-          </a:p>
-          <a:p>
-            <a:r>
-              <a:rPr lang="en-US" dirty="0">
-                <a:hlinkClick r:id="rId12"/>
-              </a:rPr>
-              <a:t>Azure CLI </a:t>
-            </a:r>
-            <a:r>
-              <a:rPr lang="en-US" dirty="0" smtClean="0">
-                <a:hlinkClick r:id="rId12"/>
-              </a:rPr>
-              <a:t>2.0</a:t>
-            </a:r>
-            <a:endParaRPr lang="en-US" dirty="0" smtClean="0"/>
-          </a:p>
-          <a:p>
-            <a:r>
-              <a:rPr lang="en-US" dirty="0" smtClean="0">
-                <a:hlinkClick r:id="rId13"/>
-              </a:rPr>
-              <a:t>ARM Client</a:t>
-            </a:r>
-            <a:endParaRPr lang="en-US" dirty="0"/>
-          </a:p>
-          <a:p>
-            <a:r>
-              <a:rPr lang="en-US" dirty="0">
-                <a:hlinkClick r:id="rId14"/>
-              </a:rPr>
-              <a:t>Azure </a:t>
-            </a:r>
-            <a:r>
-              <a:rPr lang="en-US" dirty="0" err="1" smtClean="0">
-                <a:hlinkClick r:id="rId14"/>
-              </a:rPr>
-              <a:t>Powershell</a:t>
-            </a:r>
-            <a:endParaRPr lang="en-US" dirty="0" smtClean="0"/>
-          </a:p>
-          <a:p>
-            <a:r>
-              <a:rPr lang="en-US" dirty="0">
-                <a:hlinkClick r:id="rId15"/>
-              </a:rPr>
-              <a:t>Azure Preview </a:t>
-            </a:r>
-            <a:r>
-              <a:rPr lang="en-US" dirty="0" smtClean="0">
-                <a:hlinkClick r:id="rId15"/>
-              </a:rPr>
-              <a:t>Portal</a:t>
-            </a:r>
-            <a:endParaRPr lang="en-US" dirty="0" smtClean="0"/>
-          </a:p>
-          <a:p>
-            <a:r>
-              <a:rPr lang="en-US" dirty="0" smtClean="0">
-                <a:hlinkClick r:id="rId16"/>
-              </a:rPr>
-              <a:t>ArmViz.io</a:t>
-            </a:r>
-            <a:endParaRPr lang="en-US" dirty="0" smtClean="0"/>
-          </a:p>
-          <a:p>
-            <a:r>
-              <a:rPr lang="en-US" dirty="0">
-                <a:hlinkClick r:id="rId17"/>
-              </a:rPr>
-              <a:t>Examples used in this </a:t>
-            </a:r>
-            <a:r>
-              <a:rPr lang="en-US" dirty="0" smtClean="0">
-                <a:hlinkClick r:id="rId17"/>
-              </a:rPr>
-              <a:t>Talk</a:t>
-            </a:r>
-            <a:endParaRPr lang="en-US" dirty="0" smtClean="0"/>
-          </a:p>
-          <a:p>
-            <a:r>
-              <a:rPr lang="en-US" dirty="0" err="1" smtClean="0">
-                <a:hlinkClick r:id="rId18"/>
-              </a:rPr>
-              <a:t>Powershell</a:t>
-            </a:r>
-            <a:r>
-              <a:rPr lang="en-US" dirty="0" smtClean="0">
-                <a:hlinkClick r:id="rId18"/>
-              </a:rPr>
-              <a:t> Put Example</a:t>
-            </a:r>
-            <a:endParaRPr lang="en-US" dirty="0" smtClean="0"/>
-          </a:p>
-          <a:p>
-            <a:r>
-              <a:rPr lang="en-US" dirty="0" smtClean="0">
-                <a:hlinkClick r:id="rId19"/>
-              </a:rPr>
-              <a:t>Azure One Liners</a:t>
-            </a:r>
-            <a:endParaRPr lang="en-US" dirty="0" smtClean="0"/>
-          </a:p>
-        </p:txBody>
-      </p:sp>
-    </p:spTree>
-    <p:extLst>
-      <p:ext uri="{BB962C8B-B14F-4D97-AF65-F5344CB8AC3E}">
-        <p14:creationId xmlns:p14="http://schemas.microsoft.com/office/powerpoint/2010/main" val="2960004976"/>
-      </p:ext>
-    </p:extLst>
-  </p:cSld>
-  <p:clrMapOvr>
-    <a:masterClrMapping/>
-  </p:clrMapOvr>
-  <p:timing>
-    <p:tnLst>
-      <p:par>
-        <p:cTn id="1" dur="indefinite" restart="never" nodeType="tmRoot"/>
-      </p:par>
-    </p:tnLst>
-  </p:timing>
-</p:sld>
-</file>
-
 <file path=ppt/theme/theme1.xml><?xml version="1.0" encoding="utf-8"?>
 <a:theme xmlns:a="http://schemas.openxmlformats.org/drawingml/2006/main" name="Office Theme">
   <a:themeElements>
